--- a/documentation/weatherAlarmPresentation.pptx
+++ b/documentation/weatherAlarmPresentation.pptx
@@ -2,23 +2,23 @@
 <file path=ppt/presentation.xml><?xml version="1.0" encoding="utf-8"?>
 <p:presentation xmlns:a="http://schemas.openxmlformats.org/drawingml/2006/main" xmlns:r="http://schemas.openxmlformats.org/officeDocument/2006/relationships" xmlns:p="http://schemas.openxmlformats.org/presentationml/2006/main">
   <p:sldMasterIdLst>
-    <p:sldMasterId id="2147483648" r:id="rId5"/>
+    <p:sldMasterId id="2147483648" r:id="rId1"/>
   </p:sldMasterIdLst>
   <p:notesMasterIdLst>
-    <p:notesMasterId r:id="rId7"/>
+    <p:notesMasterId r:id="rId13"/>
   </p:notesMasterIdLst>
   <p:sldIdLst>
-    <p:sldId id="256" r:id="rId8"/>
-    <p:sldId id="257" r:id="rId9"/>
-    <p:sldId id="258" r:id="rId10"/>
-    <p:sldId id="259" r:id="rId11"/>
-    <p:sldId id="260" r:id="rId12"/>
-    <p:sldId id="261" r:id="rId13"/>
-    <p:sldId id="262" r:id="rId14"/>
-    <p:sldId id="263" r:id="rId15"/>
-    <p:sldId id="264" r:id="rId16"/>
-    <p:sldId id="265" r:id="rId17"/>
-    <p:sldId id="266" r:id="rId18"/>
+    <p:sldId id="256" r:id="rId2"/>
+    <p:sldId id="257" r:id="rId3"/>
+    <p:sldId id="258" r:id="rId4"/>
+    <p:sldId id="259" r:id="rId5"/>
+    <p:sldId id="260" r:id="rId6"/>
+    <p:sldId id="261" r:id="rId7"/>
+    <p:sldId id="262" r:id="rId8"/>
+    <p:sldId id="263" r:id="rId9"/>
+    <p:sldId id="264" r:id="rId10"/>
+    <p:sldId id="265" r:id="rId11"/>
+    <p:sldId id="266" r:id="rId12"/>
   </p:sldIdLst>
   <p:sldSz cx="13004800" cy="9753600"/>
   <p:notesSz cx="6858000" cy="9144000"/>
@@ -38,7 +38,7 @@
       <a:buFontTx/>
       <a:buNone/>
       <a:tabLst/>
-      <a:defRPr b="0" baseline="0" cap="none" i="0" spc="0" strike="noStrike" sz="1800" u="none" kumimoji="0" normalizeH="0">
+      <a:defRPr kumimoji="0" sz="1800" b="0" i="0" u="none" strike="noStrike" cap="none" spc="0" normalizeH="0" baseline="0">
         <a:ln>
           <a:noFill/>
         </a:ln>
@@ -64,7 +64,7 @@
       <a:buFontTx/>
       <a:buNone/>
       <a:tabLst/>
-      <a:defRPr b="0" baseline="0" cap="none" i="0" spc="0" strike="noStrike" sz="2000" u="none" kumimoji="0" normalizeH="0">
+      <a:defRPr kumimoji="0" sz="2000" b="0" i="0" u="none" strike="noStrike" cap="none" spc="0" normalizeH="0" baseline="0">
         <a:ln>
           <a:noFill/>
         </a:ln>
@@ -94,7 +94,7 @@
       <a:buFontTx/>
       <a:buNone/>
       <a:tabLst/>
-      <a:defRPr b="0" baseline="0" cap="none" i="0" spc="0" strike="noStrike" sz="2000" u="none" kumimoji="0" normalizeH="0">
+      <a:defRPr kumimoji="0" sz="2000" b="0" i="0" u="none" strike="noStrike" cap="none" spc="0" normalizeH="0" baseline="0">
         <a:ln>
           <a:noFill/>
         </a:ln>
@@ -124,7 +124,7 @@
       <a:buFontTx/>
       <a:buNone/>
       <a:tabLst/>
-      <a:defRPr b="0" baseline="0" cap="none" i="0" spc="0" strike="noStrike" sz="2000" u="none" kumimoji="0" normalizeH="0">
+      <a:defRPr kumimoji="0" sz="2000" b="0" i="0" u="none" strike="noStrike" cap="none" spc="0" normalizeH="0" baseline="0">
         <a:ln>
           <a:noFill/>
         </a:ln>
@@ -154,7 +154,7 @@
       <a:buFontTx/>
       <a:buNone/>
       <a:tabLst/>
-      <a:defRPr b="0" baseline="0" cap="none" i="0" spc="0" strike="noStrike" sz="2000" u="none" kumimoji="0" normalizeH="0">
+      <a:defRPr kumimoji="0" sz="2000" b="0" i="0" u="none" strike="noStrike" cap="none" spc="0" normalizeH="0" baseline="0">
         <a:ln>
           <a:noFill/>
         </a:ln>
@@ -184,7 +184,7 @@
       <a:buFontTx/>
       <a:buNone/>
       <a:tabLst/>
-      <a:defRPr b="0" baseline="0" cap="none" i="0" spc="0" strike="noStrike" sz="2000" u="none" kumimoji="0" normalizeH="0">
+      <a:defRPr kumimoji="0" sz="2000" b="0" i="0" u="none" strike="noStrike" cap="none" spc="0" normalizeH="0" baseline="0">
         <a:ln>
           <a:noFill/>
         </a:ln>
@@ -214,7 +214,7 @@
       <a:buFontTx/>
       <a:buNone/>
       <a:tabLst/>
-      <a:defRPr b="0" baseline="0" cap="none" i="0" spc="0" strike="noStrike" sz="2000" u="none" kumimoji="0" normalizeH="0">
+      <a:defRPr kumimoji="0" sz="2000" b="0" i="0" u="none" strike="noStrike" cap="none" spc="0" normalizeH="0" baseline="0">
         <a:ln>
           <a:noFill/>
         </a:ln>
@@ -244,7 +244,7 @@
       <a:buFontTx/>
       <a:buNone/>
       <a:tabLst/>
-      <a:defRPr b="0" baseline="0" cap="none" i="0" spc="0" strike="noStrike" sz="2000" u="none" kumimoji="0" normalizeH="0">
+      <a:defRPr kumimoji="0" sz="2000" b="0" i="0" u="none" strike="noStrike" cap="none" spc="0" normalizeH="0" baseline="0">
         <a:ln>
           <a:noFill/>
         </a:ln>
@@ -274,7 +274,7 @@
       <a:buFontTx/>
       <a:buNone/>
       <a:tabLst/>
-      <a:defRPr b="0" baseline="0" cap="none" i="0" spc="0" strike="noStrike" sz="2000" u="none" kumimoji="0" normalizeH="0">
+      <a:defRPr kumimoji="0" sz="2000" b="0" i="0" u="none" strike="noStrike" cap="none" spc="0" normalizeH="0" baseline="0">
         <a:ln>
           <a:noFill/>
         </a:ln>
@@ -304,7 +304,7 @@
       <a:buFontTx/>
       <a:buNone/>
       <a:tabLst/>
-      <a:defRPr b="0" baseline="0" cap="none" i="0" spc="0" strike="noStrike" sz="2000" u="none" kumimoji="0" normalizeH="0">
+      <a:defRPr kumimoji="0" sz="2000" b="0" i="0" u="none" strike="noStrike" cap="none" spc="0" normalizeH="0" baseline="0">
         <a:ln>
           <a:noFill/>
         </a:ln>
@@ -323,13 +323,14 @@
 </p:presentation>
 </file>
 
-<file path=ppt/commentAuthors.xml><?xml version="1.0" encoding="utf-8"?>
-<p:cmAuthorLst xmlns:a="http://schemas.openxmlformats.org/drawingml/2006/main" xmlns:r="http://schemas.openxmlformats.org/officeDocument/2006/relationships" xmlns:p="http://schemas.openxmlformats.org/presentationml/2006/main"/>
-</file>
-
 <file path=ppt/notesMasters/notesMaster1.xml><?xml version="1.0" encoding="utf-8"?>
 <p:notesMaster xmlns:a="http://schemas.openxmlformats.org/drawingml/2006/main" xmlns:r="http://schemas.openxmlformats.org/officeDocument/2006/relationships" xmlns:p="http://schemas.openxmlformats.org/presentationml/2006/main">
   <p:cSld>
+    <p:bg>
+      <p:bgRef idx="1001">
+        <a:schemeClr val="bg1"/>
+      </p:bgRef>
+    </p:bg>
     <p:spTree>
       <p:nvGrpSpPr>
         <p:cNvPr id="1" name=""/>
@@ -347,7 +348,9 @@
       <p:sp>
         <p:nvSpPr>
           <p:cNvPr id="163" name="Shape 163"/>
-          <p:cNvSpPr/>
+          <p:cNvSpPr>
+            <a:spLocks noGrp="1" noRot="1" noChangeAspect="1"/>
+          </p:cNvSpPr>
           <p:nvPr>
             <p:ph type="sldImg"/>
           </p:nvPr>
@@ -365,14 +368,16 @@
           <a:bodyPr/>
           <a:lstStyle/>
           <a:p>
-            <a:pPr/>
+            <a:endParaRPr/>
           </a:p>
         </p:txBody>
       </p:sp>
       <p:sp>
         <p:nvSpPr>
           <p:cNvPr id="164" name="Shape 164"/>
-          <p:cNvSpPr/>
+          <p:cNvSpPr>
+            <a:spLocks noGrp="1"/>
+          </p:cNvSpPr>
           <p:nvPr>
             <p:ph type="body" sz="quarter" idx="1"/>
           </p:nvPr>
@@ -390,11 +395,16 @@
           <a:bodyPr/>
           <a:lstStyle/>
           <a:p>
-            <a:pPr/>
+            <a:endParaRPr/>
           </a:p>
         </p:txBody>
       </p:sp>
     </p:spTree>
+    <p:extLst>
+      <p:ext uri="{BB962C8B-B14F-4D97-AF65-F5344CB8AC3E}">
+        <p14:creationId xmlns:p14="http://schemas.microsoft.com/office/powerpoint/2010/main" val="3939256312"/>
+      </p:ext>
+    </p:extLst>
   </p:cSld>
   <p:clrMap bg1="lt1" tx1="dk1" bg2="lt2" tx2="dk2" accent1="accent1" accent2="accent2" accent3="accent3" accent4="accent4" accent5="accent5" accent6="accent6" hlink="hlink" folHlink="folHlink"/>
   <p:notesStyle>
@@ -502,13 +512,14 @@
 </file>
 
 <file path=ppt/slideLayouts/slideLayout1.xml><?xml version="1.0" encoding="utf-8"?>
-<p:sldLayout xmlns:a="http://schemas.openxmlformats.org/drawingml/2006/main" xmlns:r="http://schemas.openxmlformats.org/officeDocument/2006/relationships" xmlns:p="http://schemas.openxmlformats.org/presentationml/2006/main" type="title" showMasterSp="0" showMasterPhAnim="1">
+<p:sldLayout xmlns:a="http://schemas.openxmlformats.org/drawingml/2006/main" xmlns:r="http://schemas.openxmlformats.org/officeDocument/2006/relationships" xmlns:p="http://schemas.openxmlformats.org/presentationml/2006/main" showMasterSp="0" type="title">
   <p:cSld name="Title &amp; Subtitle">
     <p:bg>
       <p:bgPr>
         <a:solidFill>
           <a:srgbClr val="222222"/>
         </a:solidFill>
+        <a:effectLst/>
       </p:bgPr>
     </p:bg>
     <p:spTree>
@@ -564,13 +575,16 @@
                 <a:sym typeface="Helvetica"/>
               </a:defRPr>
             </a:pPr>
+            <a:endParaRPr/>
           </a:p>
         </p:txBody>
       </p:sp>
       <p:sp>
         <p:nvSpPr>
           <p:cNvPr id="13" name="Shape 13"/>
-          <p:cNvSpPr/>
+          <p:cNvSpPr>
+            <a:spLocks noGrp="1"/>
+          </p:cNvSpPr>
           <p:nvPr>
             <p:ph type="title"/>
           </p:nvPr>
@@ -595,7 +609,6 @@
             </a:lvl1pPr>
           </a:lstStyle>
           <a:p>
-            <a:pPr/>
             <a:r>
               <a:t>Title Text</a:t>
             </a:r>
@@ -605,7 +618,9 @@
       <p:sp>
         <p:nvSpPr>
           <p:cNvPr id="14" name="Shape 14"/>
-          <p:cNvSpPr/>
+          <p:cNvSpPr>
+            <a:spLocks noGrp="1"/>
+          </p:cNvSpPr>
           <p:nvPr>
             <p:ph type="body" sz="quarter" idx="1"/>
           </p:nvPr>
@@ -633,7 +648,7 @@
               <a:buSzTx/>
               <a:buFontTx/>
               <a:buNone/>
-              <a:defRPr cap="all" sz="5400">
+              <a:defRPr sz="5400" cap="all">
                 <a:solidFill>
                   <a:srgbClr val="A6AAA9"/>
                 </a:solidFill>
@@ -654,7 +669,7 @@
               <a:buSzTx/>
               <a:buFontTx/>
               <a:buNone/>
-              <a:defRPr cap="all" sz="5400">
+              <a:defRPr sz="5400" cap="all">
                 <a:solidFill>
                   <a:srgbClr val="A6AAA9"/>
                 </a:solidFill>
@@ -675,7 +690,7 @@
               <a:buSzTx/>
               <a:buFontTx/>
               <a:buNone/>
-              <a:defRPr cap="all" sz="5400">
+              <a:defRPr sz="5400" cap="all">
                 <a:solidFill>
                   <a:srgbClr val="A6AAA9"/>
                 </a:solidFill>
@@ -696,7 +711,7 @@
               <a:buSzTx/>
               <a:buFontTx/>
               <a:buNone/>
-              <a:defRPr cap="all" sz="5400">
+              <a:defRPr sz="5400" cap="all">
                 <a:solidFill>
                   <a:srgbClr val="A6AAA9"/>
                 </a:solidFill>
@@ -717,7 +732,7 @@
               <a:buSzTx/>
               <a:buFontTx/>
               <a:buNone/>
-              <a:defRPr cap="all" sz="5400">
+              <a:defRPr sz="5400" cap="all">
                 <a:solidFill>
                   <a:srgbClr val="A6AAA9"/>
                 </a:solidFill>
@@ -729,7 +744,6 @@
             </a:lvl5pPr>
           </a:lstStyle>
           <a:p>
-            <a:pPr/>
             <a:r>
               <a:t>Body Level One</a:t>
             </a:r>
@@ -763,7 +777,9 @@
       <p:sp>
         <p:nvSpPr>
           <p:cNvPr id="15" name="Shape 15"/>
-          <p:cNvSpPr/>
+          <p:cNvSpPr>
+            <a:spLocks noGrp="1"/>
+          </p:cNvSpPr>
           <p:nvPr>
             <p:ph type="sldNum" sz="quarter" idx="2"/>
           </p:nvPr>
@@ -781,8 +797,10 @@
           <a:bodyPr/>
           <a:lstStyle/>
           <a:p>
-            <a:pPr/>
-            <a:fld id="{86CB4B4D-7CA3-9044-876B-883B54F8677D}" type="slidenum"/>
+            <a:fld id="{86CB4B4D-7CA3-9044-876B-883B54F8677D}" type="slidenum">
+              <a:t>‹#›</a:t>
+            </a:fld>
+            <a:endParaRPr/>
           </a:p>
         </p:txBody>
       </p:sp>
@@ -791,18 +809,19 @@
   <p:clrMapOvr>
     <a:masterClrMapping/>
   </p:clrMapOvr>
-  <p:transition xmlns:p14="http://schemas.microsoft.com/office/powerpoint/2010/main" spd="med" advClick="1"/>
+  <p:transition xmlns:p14="http://schemas.microsoft.com/office/powerpoint/2010/main" spd="med"/>
 </p:sldLayout>
 </file>
 
 <file path=ppt/slideLayouts/slideLayout10.xml><?xml version="1.0" encoding="utf-8"?>
-<p:sldLayout xmlns:a="http://schemas.openxmlformats.org/drawingml/2006/main" xmlns:r="http://schemas.openxmlformats.org/officeDocument/2006/relationships" xmlns:p="http://schemas.openxmlformats.org/presentationml/2006/main" type="tx" showMasterSp="1" showMasterPhAnim="1">
+<p:sldLayout xmlns:a="http://schemas.openxmlformats.org/drawingml/2006/main" xmlns:r="http://schemas.openxmlformats.org/officeDocument/2006/relationships" xmlns:p="http://schemas.openxmlformats.org/presentationml/2006/main" type="tx">
   <p:cSld name="Bullets">
     <p:bg>
       <p:bgPr>
         <a:solidFill>
           <a:srgbClr val="222222"/>
         </a:solidFill>
+        <a:effectLst/>
       </p:bgPr>
     </p:bg>
     <p:spTree>
@@ -822,7 +841,9 @@
       <p:sp>
         <p:nvSpPr>
           <p:cNvPr id="102" name="Shape 102"/>
-          <p:cNvSpPr/>
+          <p:cNvSpPr>
+            <a:spLocks noGrp="1"/>
+          </p:cNvSpPr>
           <p:nvPr>
             <p:ph type="body" sz="quarter" idx="13"/>
           </p:nvPr>
@@ -852,7 +873,7 @@
               <a:buSzTx/>
               <a:buFontTx/>
               <a:buNone/>
-              <a:defRPr cap="all" spc="120" sz="2400">
+              <a:defRPr sz="2400" cap="all" spc="120">
                 <a:latin typeface="DIN Alternate"/>
                 <a:ea typeface="DIN Alternate"/>
                 <a:cs typeface="DIN Alternate"/>
@@ -861,7 +882,6 @@
             </a:lvl1pPr>
           </a:lstStyle>
           <a:p>
-            <a:pPr/>
             <a:r>
               <a:t>Text</a:t>
             </a:r>
@@ -871,7 +891,9 @@
       <p:sp>
         <p:nvSpPr>
           <p:cNvPr id="103" name="Shape 103"/>
-          <p:cNvSpPr/>
+          <p:cNvSpPr>
+            <a:spLocks noGrp="1"/>
+          </p:cNvSpPr>
           <p:nvPr>
             <p:ph type="body" idx="1"/>
           </p:nvPr>
@@ -916,7 +938,6 @@
             </a:lvl5pPr>
           </a:lstStyle>
           <a:p>
-            <a:pPr/>
             <a:r>
               <a:t>Body Level One</a:t>
             </a:r>
@@ -950,7 +971,9 @@
       <p:sp>
         <p:nvSpPr>
           <p:cNvPr id="104" name="Shape 104"/>
-          <p:cNvSpPr/>
+          <p:cNvSpPr>
+            <a:spLocks noGrp="1"/>
+          </p:cNvSpPr>
           <p:nvPr>
             <p:ph type="sldNum" sz="quarter" idx="2"/>
           </p:nvPr>
@@ -964,8 +987,10 @@
           <a:bodyPr/>
           <a:lstStyle/>
           <a:p>
-            <a:pPr/>
-            <a:fld id="{86CB4B4D-7CA3-9044-876B-883B54F8677D}" type="slidenum"/>
+            <a:fld id="{86CB4B4D-7CA3-9044-876B-883B54F8677D}" type="slidenum">
+              <a:t>‹#›</a:t>
+            </a:fld>
+            <a:endParaRPr/>
           </a:p>
         </p:txBody>
       </p:sp>
@@ -974,18 +999,19 @@
   <p:clrMapOvr>
     <a:masterClrMapping/>
   </p:clrMapOvr>
-  <p:transition xmlns:p14="http://schemas.microsoft.com/office/powerpoint/2010/main" spd="med" advClick="1"/>
+  <p:transition xmlns:p14="http://schemas.microsoft.com/office/powerpoint/2010/main" spd="med"/>
 </p:sldLayout>
 </file>
 
 <file path=ppt/slideLayouts/slideLayout11.xml><?xml version="1.0" encoding="utf-8"?>
-<p:sldLayout xmlns:a="http://schemas.openxmlformats.org/drawingml/2006/main" xmlns:r="http://schemas.openxmlformats.org/officeDocument/2006/relationships" xmlns:p="http://schemas.openxmlformats.org/presentationml/2006/main" type="tx" showMasterSp="0" showMasterPhAnim="1">
+<p:sldLayout xmlns:a="http://schemas.openxmlformats.org/drawingml/2006/main" xmlns:r="http://schemas.openxmlformats.org/officeDocument/2006/relationships" xmlns:p="http://schemas.openxmlformats.org/presentationml/2006/main" showMasterSp="0" type="tx">
   <p:cSld name="Photo - 3 Up">
     <p:bg>
       <p:bgPr>
         <a:solidFill>
           <a:srgbClr val="222222"/>
         </a:solidFill>
+        <a:effectLst/>
       </p:bgPr>
     </p:bg>
     <p:spTree>
@@ -1005,7 +1031,9 @@
       <p:sp>
         <p:nvSpPr>
           <p:cNvPr id="111" name="Shape 111"/>
-          <p:cNvSpPr/>
+          <p:cNvSpPr>
+            <a:spLocks noGrp="1"/>
+          </p:cNvSpPr>
           <p:nvPr>
             <p:ph type="pic" sz="half" idx="13"/>
           </p:nvPr>
@@ -1025,14 +1053,16 @@
           </a:bodyPr>
           <a:lstStyle/>
           <a:p>
-            <a:pPr/>
+            <a:endParaRPr/>
           </a:p>
         </p:txBody>
       </p:sp>
       <p:sp>
         <p:nvSpPr>
           <p:cNvPr id="112" name="Shape 112"/>
-          <p:cNvSpPr/>
+          <p:cNvSpPr>
+            <a:spLocks noGrp="1"/>
+          </p:cNvSpPr>
           <p:nvPr>
             <p:ph type="pic" sz="half" idx="14"/>
           </p:nvPr>
@@ -1052,14 +1082,16 @@
           </a:bodyPr>
           <a:lstStyle/>
           <a:p>
-            <a:pPr/>
+            <a:endParaRPr/>
           </a:p>
         </p:txBody>
       </p:sp>
       <p:sp>
         <p:nvSpPr>
           <p:cNvPr id="113" name="Shape 113"/>
-          <p:cNvSpPr/>
+          <p:cNvSpPr>
+            <a:spLocks noGrp="1"/>
+          </p:cNvSpPr>
           <p:nvPr>
             <p:ph type="pic" idx="15"/>
           </p:nvPr>
@@ -1079,14 +1111,16 @@
           </a:bodyPr>
           <a:lstStyle/>
           <a:p>
-            <a:pPr/>
+            <a:endParaRPr/>
           </a:p>
         </p:txBody>
       </p:sp>
       <p:sp>
         <p:nvSpPr>
           <p:cNvPr id="114" name="Shape 114"/>
-          <p:cNvSpPr/>
+          <p:cNvSpPr>
+            <a:spLocks noGrp="1"/>
+          </p:cNvSpPr>
           <p:nvPr>
             <p:ph type="sldNum" sz="quarter" idx="2"/>
           </p:nvPr>
@@ -1100,8 +1134,10 @@
           <a:bodyPr/>
           <a:lstStyle/>
           <a:p>
-            <a:pPr/>
-            <a:fld id="{86CB4B4D-7CA3-9044-876B-883B54F8677D}" type="slidenum"/>
+            <a:fld id="{86CB4B4D-7CA3-9044-876B-883B54F8677D}" type="slidenum">
+              <a:t>‹#›</a:t>
+            </a:fld>
+            <a:endParaRPr/>
           </a:p>
         </p:txBody>
       </p:sp>
@@ -1110,18 +1146,19 @@
   <p:clrMapOvr>
     <a:masterClrMapping/>
   </p:clrMapOvr>
-  <p:transition xmlns:p14="http://schemas.microsoft.com/office/powerpoint/2010/main" spd="med" advClick="1"/>
+  <p:transition xmlns:p14="http://schemas.microsoft.com/office/powerpoint/2010/main" spd="med"/>
 </p:sldLayout>
 </file>
 
 <file path=ppt/slideLayouts/slideLayout12.xml><?xml version="1.0" encoding="utf-8"?>
-<p:sldLayout xmlns:a="http://schemas.openxmlformats.org/drawingml/2006/main" xmlns:r="http://schemas.openxmlformats.org/officeDocument/2006/relationships" xmlns:p="http://schemas.openxmlformats.org/presentationml/2006/main" type="tx" showMasterSp="1" showMasterPhAnim="1">
+<p:sldLayout xmlns:a="http://schemas.openxmlformats.org/drawingml/2006/main" xmlns:r="http://schemas.openxmlformats.org/officeDocument/2006/relationships" xmlns:p="http://schemas.openxmlformats.org/presentationml/2006/main" type="tx">
   <p:cSld name="Quote">
     <p:bg>
       <p:bgPr>
         <a:solidFill>
           <a:srgbClr val="222222"/>
         </a:solidFill>
+        <a:effectLst/>
       </p:bgPr>
     </p:bg>
     <p:spTree>
@@ -1169,7 +1206,7 @@
             </a:cxnLst>
             <a:rect l="0" t="0" r="r" b="b"/>
             <a:pathLst>
-              <a:path w="21600" h="21600" fill="norm" stroke="1" extrusionOk="0">
+              <a:path w="21600" h="21600" extrusionOk="0">
                 <a:moveTo>
                   <a:pt x="224" y="0"/>
                 </a:moveTo>
@@ -1236,7 +1273,7 @@
               <a:spcBef>
                 <a:spcPts val="0"/>
               </a:spcBef>
-              <a:defRPr cap="all" sz="2800">
+              <a:defRPr sz="2800" cap="all">
                 <a:solidFill>
                   <a:srgbClr val="FFFFFF"/>
                 </a:solidFill>
@@ -1246,13 +1283,16 @@
                 <a:sym typeface="DIN Condensed"/>
               </a:defRPr>
             </a:pPr>
+            <a:endParaRPr/>
           </a:p>
         </p:txBody>
       </p:sp>
       <p:sp>
         <p:nvSpPr>
           <p:cNvPr id="122" name="Shape 122"/>
-          <p:cNvSpPr/>
+          <p:cNvSpPr>
+            <a:spLocks noGrp="1"/>
+          </p:cNvSpPr>
           <p:nvPr>
             <p:ph type="body" sz="quarter" idx="13"/>
           </p:nvPr>
@@ -1282,7 +1322,7 @@
               <a:buSzTx/>
               <a:buFontTx/>
               <a:buNone/>
-              <a:defRPr cap="all" sz="9400">
+              <a:defRPr sz="9400" cap="all">
                 <a:solidFill>
                   <a:srgbClr val="FFFFFF"/>
                 </a:solidFill>
@@ -1294,7 +1334,6 @@
             </a:lvl1pPr>
           </a:lstStyle>
           <a:p>
-            <a:pPr/>
             <a:r>
               <a:t>Type a quote here.</a:t>
             </a:r>
@@ -1304,7 +1343,9 @@
       <p:sp>
         <p:nvSpPr>
           <p:cNvPr id="123" name="Shape 123"/>
-          <p:cNvSpPr/>
+          <p:cNvSpPr>
+            <a:spLocks noGrp="1"/>
+          </p:cNvSpPr>
           <p:nvPr>
             <p:ph type="body" sz="quarter" idx="14"/>
           </p:nvPr>
@@ -1343,7 +1384,6 @@
             </a:lvl1pPr>
           </a:lstStyle>
           <a:p>
-            <a:pPr/>
             <a:r>
               <a:t>Johnny Appleseed</a:t>
             </a:r>
@@ -1353,7 +1393,9 @@
       <p:sp>
         <p:nvSpPr>
           <p:cNvPr id="124" name="Shape 124"/>
-          <p:cNvSpPr/>
+          <p:cNvSpPr>
+            <a:spLocks noGrp="1"/>
+          </p:cNvSpPr>
           <p:nvPr>
             <p:ph type="body" sz="quarter" idx="15"/>
           </p:nvPr>
@@ -1383,7 +1425,7 @@
               <a:buSzTx/>
               <a:buFontTx/>
               <a:buNone/>
-              <a:defRPr cap="all" spc="120" sz="2400">
+              <a:defRPr sz="2400" cap="all" spc="120">
                 <a:latin typeface="DIN Alternate"/>
                 <a:ea typeface="DIN Alternate"/>
                 <a:cs typeface="DIN Alternate"/>
@@ -1392,7 +1434,6 @@
             </a:lvl1pPr>
           </a:lstStyle>
           <a:p>
-            <a:pPr/>
             <a:r>
               <a:t>Text</a:t>
             </a:r>
@@ -1402,7 +1443,9 @@
       <p:sp>
         <p:nvSpPr>
           <p:cNvPr id="125" name="Shape 125"/>
-          <p:cNvSpPr/>
+          <p:cNvSpPr>
+            <a:spLocks noGrp="1"/>
+          </p:cNvSpPr>
           <p:nvPr>
             <p:ph type="sldNum" sz="quarter" idx="2"/>
           </p:nvPr>
@@ -1416,8 +1459,10 @@
           <a:bodyPr/>
           <a:lstStyle/>
           <a:p>
-            <a:pPr/>
-            <a:fld id="{86CB4B4D-7CA3-9044-876B-883B54F8677D}" type="slidenum"/>
+            <a:fld id="{86CB4B4D-7CA3-9044-876B-883B54F8677D}" type="slidenum">
+              <a:t>‹#›</a:t>
+            </a:fld>
+            <a:endParaRPr/>
           </a:p>
         </p:txBody>
       </p:sp>
@@ -1426,18 +1471,19 @@
   <p:clrMapOvr>
     <a:masterClrMapping/>
   </p:clrMapOvr>
-  <p:transition xmlns:p14="http://schemas.microsoft.com/office/powerpoint/2010/main" spd="med" advClick="1"/>
+  <p:transition xmlns:p14="http://schemas.microsoft.com/office/powerpoint/2010/main" spd="med"/>
 </p:sldLayout>
 </file>
 
 <file path=ppt/slideLayouts/slideLayout13.xml><?xml version="1.0" encoding="utf-8"?>
-<p:sldLayout xmlns:a="http://schemas.openxmlformats.org/drawingml/2006/main" xmlns:r="http://schemas.openxmlformats.org/officeDocument/2006/relationships" xmlns:p="http://schemas.openxmlformats.org/presentationml/2006/main" type="tx" showMasterSp="0" showMasterPhAnim="1">
+<p:sldLayout xmlns:a="http://schemas.openxmlformats.org/drawingml/2006/main" xmlns:r="http://schemas.openxmlformats.org/officeDocument/2006/relationships" xmlns:p="http://schemas.openxmlformats.org/presentationml/2006/main" showMasterSp="0" type="tx">
   <p:cSld name="Quote Alt">
     <p:bg>
       <p:bgPr>
         <a:solidFill>
           <a:schemeClr val="accent1"/>
         </a:solidFill>
+        <a:effectLst/>
       </p:bgPr>
     </p:bg>
     <p:spTree>
@@ -1457,7 +1503,9 @@
       <p:sp>
         <p:nvSpPr>
           <p:cNvPr id="132" name="Shape 132"/>
-          <p:cNvSpPr/>
+          <p:cNvSpPr>
+            <a:spLocks noGrp="1"/>
+          </p:cNvSpPr>
           <p:nvPr>
             <p:ph type="body" sz="quarter" idx="13"/>
           </p:nvPr>
@@ -1487,7 +1535,7 @@
               <a:buSzTx/>
               <a:buFontTx/>
               <a:buNone/>
-              <a:defRPr cap="all" sz="9400">
+              <a:defRPr sz="9400" cap="all">
                 <a:solidFill>
                   <a:srgbClr val="FFFFFF"/>
                 </a:solidFill>
@@ -1499,7 +1547,6 @@
             </a:lvl1pPr>
           </a:lstStyle>
           <a:p>
-            <a:pPr/>
             <a:r>
               <a:t>Type a quote here.</a:t>
             </a:r>
@@ -1509,7 +1556,9 @@
       <p:sp>
         <p:nvSpPr>
           <p:cNvPr id="133" name="Shape 133"/>
-          <p:cNvSpPr/>
+          <p:cNvSpPr>
+            <a:spLocks noGrp="1"/>
+          </p:cNvSpPr>
           <p:nvPr>
             <p:ph type="pic" idx="14"/>
           </p:nvPr>
@@ -1529,14 +1578,16 @@
           </a:bodyPr>
           <a:lstStyle/>
           <a:p>
-            <a:pPr/>
+            <a:endParaRPr/>
           </a:p>
         </p:txBody>
       </p:sp>
       <p:sp>
         <p:nvSpPr>
           <p:cNvPr id="134" name="Shape 134"/>
-          <p:cNvSpPr/>
+          <p:cNvSpPr>
+            <a:spLocks noGrp="1"/>
+          </p:cNvSpPr>
           <p:nvPr>
             <p:ph type="body" sz="quarter" idx="15"/>
           </p:nvPr>
@@ -1575,7 +1626,6 @@
             </a:lvl1pPr>
           </a:lstStyle>
           <a:p>
-            <a:pPr/>
             <a:r>
               <a:t>Johnny Appleseed</a:t>
             </a:r>
@@ -1585,7 +1635,9 @@
       <p:sp>
         <p:nvSpPr>
           <p:cNvPr id="135" name="Shape 135"/>
-          <p:cNvSpPr/>
+          <p:cNvSpPr>
+            <a:spLocks noGrp="1"/>
+          </p:cNvSpPr>
           <p:nvPr>
             <p:ph type="sldNum" sz="quarter" idx="2"/>
           </p:nvPr>
@@ -1599,8 +1651,10 @@
           <a:bodyPr/>
           <a:lstStyle/>
           <a:p>
-            <a:pPr/>
-            <a:fld id="{86CB4B4D-7CA3-9044-876B-883B54F8677D}" type="slidenum"/>
+            <a:fld id="{86CB4B4D-7CA3-9044-876B-883B54F8677D}" type="slidenum">
+              <a:t>‹#›</a:t>
+            </a:fld>
+            <a:endParaRPr/>
           </a:p>
         </p:txBody>
       </p:sp>
@@ -1609,18 +1663,19 @@
   <p:clrMapOvr>
     <a:masterClrMapping/>
   </p:clrMapOvr>
-  <p:transition xmlns:p14="http://schemas.microsoft.com/office/powerpoint/2010/main" spd="med" advClick="1"/>
+  <p:transition xmlns:p14="http://schemas.microsoft.com/office/powerpoint/2010/main" spd="med"/>
 </p:sldLayout>
 </file>
 
 <file path=ppt/slideLayouts/slideLayout14.xml><?xml version="1.0" encoding="utf-8"?>
-<p:sldLayout xmlns:a="http://schemas.openxmlformats.org/drawingml/2006/main" xmlns:r="http://schemas.openxmlformats.org/officeDocument/2006/relationships" xmlns:p="http://schemas.openxmlformats.org/presentationml/2006/main" type="tx" showMasterSp="0" showMasterPhAnim="1">
+<p:sldLayout xmlns:a="http://schemas.openxmlformats.org/drawingml/2006/main" xmlns:r="http://schemas.openxmlformats.org/officeDocument/2006/relationships" xmlns:p="http://schemas.openxmlformats.org/presentationml/2006/main" showMasterSp="0" type="tx">
   <p:cSld name="Photo">
     <p:bg>
       <p:bgPr>
         <a:solidFill>
           <a:srgbClr val="222222"/>
         </a:solidFill>
+        <a:effectLst/>
       </p:bgPr>
     </p:bg>
     <p:spTree>
@@ -1640,7 +1695,9 @@
       <p:sp>
         <p:nvSpPr>
           <p:cNvPr id="142" name="Shape 142"/>
-          <p:cNvSpPr/>
+          <p:cNvSpPr>
+            <a:spLocks noGrp="1"/>
+          </p:cNvSpPr>
           <p:nvPr>
             <p:ph type="pic" idx="13"/>
           </p:nvPr>
@@ -1660,14 +1717,16 @@
           </a:bodyPr>
           <a:lstStyle/>
           <a:p>
-            <a:pPr/>
+            <a:endParaRPr/>
           </a:p>
         </p:txBody>
       </p:sp>
       <p:sp>
         <p:nvSpPr>
           <p:cNvPr id="143" name="Shape 143"/>
-          <p:cNvSpPr/>
+          <p:cNvSpPr>
+            <a:spLocks noGrp="1"/>
+          </p:cNvSpPr>
           <p:nvPr>
             <p:ph type="sldNum" sz="quarter" idx="2"/>
           </p:nvPr>
@@ -1681,8 +1740,10 @@
           <a:bodyPr/>
           <a:lstStyle/>
           <a:p>
-            <a:pPr/>
-            <a:fld id="{86CB4B4D-7CA3-9044-876B-883B54F8677D}" type="slidenum"/>
+            <a:fld id="{86CB4B4D-7CA3-9044-876B-883B54F8677D}" type="slidenum">
+              <a:t>‹#›</a:t>
+            </a:fld>
+            <a:endParaRPr/>
           </a:p>
         </p:txBody>
       </p:sp>
@@ -1691,18 +1752,19 @@
   <p:clrMapOvr>
     <a:masterClrMapping/>
   </p:clrMapOvr>
-  <p:transition xmlns:p14="http://schemas.microsoft.com/office/powerpoint/2010/main" spd="med" advClick="1"/>
+  <p:transition xmlns:p14="http://schemas.microsoft.com/office/powerpoint/2010/main" spd="med"/>
 </p:sldLayout>
 </file>
 
 <file path=ppt/slideLayouts/slideLayout15.xml><?xml version="1.0" encoding="utf-8"?>
-<p:sldLayout xmlns:a="http://schemas.openxmlformats.org/drawingml/2006/main" xmlns:r="http://schemas.openxmlformats.org/officeDocument/2006/relationships" xmlns:p="http://schemas.openxmlformats.org/presentationml/2006/main" type="tx" showMasterSp="0" showMasterPhAnim="1">
+<p:sldLayout xmlns:a="http://schemas.openxmlformats.org/drawingml/2006/main" xmlns:r="http://schemas.openxmlformats.org/officeDocument/2006/relationships" xmlns:p="http://schemas.openxmlformats.org/presentationml/2006/main" showMasterSp="0" type="tx">
   <p:cSld name="Blank">
     <p:bg>
       <p:bgPr>
         <a:solidFill>
           <a:srgbClr val="222222"/>
         </a:solidFill>
+        <a:effectLst/>
       </p:bgPr>
     </p:bg>
     <p:spTree>
@@ -1722,7 +1784,9 @@
       <p:sp>
         <p:nvSpPr>
           <p:cNvPr id="150" name="Shape 150"/>
-          <p:cNvSpPr/>
+          <p:cNvSpPr>
+            <a:spLocks noGrp="1"/>
+          </p:cNvSpPr>
           <p:nvPr>
             <p:ph type="sldNum" sz="quarter" idx="2"/>
           </p:nvPr>
@@ -1736,8 +1800,10 @@
           <a:bodyPr/>
           <a:lstStyle/>
           <a:p>
-            <a:pPr/>
-            <a:fld id="{86CB4B4D-7CA3-9044-876B-883B54F8677D}" type="slidenum"/>
+            <a:fld id="{86CB4B4D-7CA3-9044-876B-883B54F8677D}" type="slidenum">
+              <a:t>‹#›</a:t>
+            </a:fld>
+            <a:endParaRPr/>
           </a:p>
         </p:txBody>
       </p:sp>
@@ -1746,12 +1812,12 @@
   <p:clrMapOvr>
     <a:masterClrMapping/>
   </p:clrMapOvr>
-  <p:transition xmlns:p14="http://schemas.microsoft.com/office/powerpoint/2010/main" spd="med" advClick="1"/>
+  <p:transition xmlns:p14="http://schemas.microsoft.com/office/powerpoint/2010/main" spd="med"/>
 </p:sldLayout>
 </file>
 
 <file path=ppt/slideLayouts/slideLayout16.xml><?xml version="1.0" encoding="utf-8"?>
-<p:sldLayout xmlns:a="http://schemas.openxmlformats.org/drawingml/2006/main" xmlns:r="http://schemas.openxmlformats.org/officeDocument/2006/relationships" xmlns:p="http://schemas.openxmlformats.org/presentationml/2006/main" type="tx" showMasterSp="0" showMasterPhAnim="1">
+<p:sldLayout xmlns:a="http://schemas.openxmlformats.org/drawingml/2006/main" xmlns:r="http://schemas.openxmlformats.org/officeDocument/2006/relationships" xmlns:p="http://schemas.openxmlformats.org/presentationml/2006/main" showMasterSp="0" type="tx">
   <p:cSld name="Blank Alt">
     <p:spTree>
       <p:nvGrpSpPr>
@@ -1770,7 +1836,9 @@
       <p:sp>
         <p:nvSpPr>
           <p:cNvPr id="157" name="Shape 157"/>
-          <p:cNvSpPr/>
+          <p:cNvSpPr>
+            <a:spLocks noGrp="1"/>
+          </p:cNvSpPr>
           <p:nvPr>
             <p:ph type="sldNum" sz="quarter" idx="2"/>
           </p:nvPr>
@@ -1784,8 +1852,10 @@
           <a:bodyPr/>
           <a:lstStyle/>
           <a:p>
-            <a:pPr/>
-            <a:fld id="{86CB4B4D-7CA3-9044-876B-883B54F8677D}" type="slidenum"/>
+            <a:fld id="{86CB4B4D-7CA3-9044-876B-883B54F8677D}" type="slidenum">
+              <a:t>‹#›</a:t>
+            </a:fld>
+            <a:endParaRPr/>
           </a:p>
         </p:txBody>
       </p:sp>
@@ -1794,18 +1864,19 @@
   <p:clrMapOvr>
     <a:masterClrMapping/>
   </p:clrMapOvr>
-  <p:transition xmlns:p14="http://schemas.microsoft.com/office/powerpoint/2010/main" spd="med" advClick="1"/>
+  <p:transition xmlns:p14="http://schemas.microsoft.com/office/powerpoint/2010/main" spd="med"/>
 </p:sldLayout>
 </file>
 
 <file path=ppt/slideLayouts/slideLayout2.xml><?xml version="1.0" encoding="utf-8"?>
-<p:sldLayout xmlns:a="http://schemas.openxmlformats.org/drawingml/2006/main" xmlns:r="http://schemas.openxmlformats.org/officeDocument/2006/relationships" xmlns:p="http://schemas.openxmlformats.org/presentationml/2006/main" type="tx" showMasterSp="0" showMasterPhAnim="1">
+<p:sldLayout xmlns:a="http://schemas.openxmlformats.org/drawingml/2006/main" xmlns:r="http://schemas.openxmlformats.org/officeDocument/2006/relationships" xmlns:p="http://schemas.openxmlformats.org/presentationml/2006/main" showMasterSp="0" type="tx">
   <p:cSld name="Photo - Horizontal">
     <p:bg>
       <p:bgPr>
         <a:solidFill>
           <a:srgbClr val="222222"/>
         </a:solidFill>
+        <a:effectLst/>
       </p:bgPr>
     </p:bg>
     <p:spTree>
@@ -1825,7 +1896,9 @@
       <p:sp>
         <p:nvSpPr>
           <p:cNvPr id="22" name="Shape 22"/>
-          <p:cNvSpPr/>
+          <p:cNvSpPr>
+            <a:spLocks noGrp="1"/>
+          </p:cNvSpPr>
           <p:nvPr>
             <p:ph type="pic" idx="13"/>
           </p:nvPr>
@@ -1845,14 +1918,16 @@
           </a:bodyPr>
           <a:lstStyle/>
           <a:p>
-            <a:pPr/>
+            <a:endParaRPr/>
           </a:p>
         </p:txBody>
       </p:sp>
       <p:sp>
         <p:nvSpPr>
           <p:cNvPr id="23" name="Shape 23"/>
-          <p:cNvSpPr/>
+          <p:cNvSpPr>
+            <a:spLocks noGrp="1"/>
+          </p:cNvSpPr>
           <p:nvPr>
             <p:ph type="body" sz="quarter" idx="14"/>
           </p:nvPr>
@@ -1895,13 +1970,16 @@
                 <a:sym typeface="Helvetica"/>
               </a:defRPr>
             </a:pPr>
+            <a:endParaRPr/>
           </a:p>
         </p:txBody>
       </p:sp>
       <p:sp>
         <p:nvSpPr>
           <p:cNvPr id="24" name="Shape 24"/>
-          <p:cNvSpPr/>
+          <p:cNvSpPr>
+            <a:spLocks noGrp="1"/>
+          </p:cNvSpPr>
           <p:nvPr>
             <p:ph type="title"/>
           </p:nvPr>
@@ -1926,7 +2004,6 @@
             </a:lvl1pPr>
           </a:lstStyle>
           <a:p>
-            <a:pPr/>
             <a:r>
               <a:t>Title Text</a:t>
             </a:r>
@@ -1936,7 +2013,9 @@
       <p:sp>
         <p:nvSpPr>
           <p:cNvPr id="25" name="Shape 25"/>
-          <p:cNvSpPr/>
+          <p:cNvSpPr>
+            <a:spLocks noGrp="1"/>
+          </p:cNvSpPr>
           <p:nvPr>
             <p:ph type="body" sz="quarter" idx="1"/>
           </p:nvPr>
@@ -1964,7 +2043,7 @@
               <a:buSzTx/>
               <a:buFontTx/>
               <a:buNone/>
-              <a:defRPr cap="all" sz="5400">
+              <a:defRPr sz="5400" cap="all">
                 <a:solidFill>
                   <a:srgbClr val="A6AAA9"/>
                 </a:solidFill>
@@ -1985,7 +2064,7 @@
               <a:buSzTx/>
               <a:buFontTx/>
               <a:buNone/>
-              <a:defRPr cap="all" sz="5400">
+              <a:defRPr sz="5400" cap="all">
                 <a:solidFill>
                   <a:srgbClr val="A6AAA9"/>
                 </a:solidFill>
@@ -2006,7 +2085,7 @@
               <a:buSzTx/>
               <a:buFontTx/>
               <a:buNone/>
-              <a:defRPr cap="all" sz="5400">
+              <a:defRPr sz="5400" cap="all">
                 <a:solidFill>
                   <a:srgbClr val="A6AAA9"/>
                 </a:solidFill>
@@ -2027,7 +2106,7 @@
               <a:buSzTx/>
               <a:buFontTx/>
               <a:buNone/>
-              <a:defRPr cap="all" sz="5400">
+              <a:defRPr sz="5400" cap="all">
                 <a:solidFill>
                   <a:srgbClr val="A6AAA9"/>
                 </a:solidFill>
@@ -2048,7 +2127,7 @@
               <a:buSzTx/>
               <a:buFontTx/>
               <a:buNone/>
-              <a:defRPr cap="all" sz="5400">
+              <a:defRPr sz="5400" cap="all">
                 <a:solidFill>
                   <a:srgbClr val="A6AAA9"/>
                 </a:solidFill>
@@ -2060,7 +2139,6 @@
             </a:lvl5pPr>
           </a:lstStyle>
           <a:p>
-            <a:pPr/>
             <a:r>
               <a:t>Body Level One</a:t>
             </a:r>
@@ -2094,7 +2172,9 @@
       <p:sp>
         <p:nvSpPr>
           <p:cNvPr id="26" name="Shape 26"/>
-          <p:cNvSpPr/>
+          <p:cNvSpPr>
+            <a:spLocks noGrp="1"/>
+          </p:cNvSpPr>
           <p:nvPr>
             <p:ph type="sldNum" sz="quarter" idx="2"/>
           </p:nvPr>
@@ -2112,8 +2192,10 @@
           <a:bodyPr/>
           <a:lstStyle/>
           <a:p>
-            <a:pPr/>
-            <a:fld id="{86CB4B4D-7CA3-9044-876B-883B54F8677D}" type="slidenum"/>
+            <a:fld id="{86CB4B4D-7CA3-9044-876B-883B54F8677D}" type="slidenum">
+              <a:t>‹#›</a:t>
+            </a:fld>
+            <a:endParaRPr/>
           </a:p>
         </p:txBody>
       </p:sp>
@@ -2122,12 +2204,12 @@
   <p:clrMapOvr>
     <a:masterClrMapping/>
   </p:clrMapOvr>
-  <p:transition xmlns:p14="http://schemas.microsoft.com/office/powerpoint/2010/main" spd="med" advClick="1"/>
+  <p:transition xmlns:p14="http://schemas.microsoft.com/office/powerpoint/2010/main" spd="med"/>
 </p:sldLayout>
 </file>
 
 <file path=ppt/slideLayouts/slideLayout3.xml><?xml version="1.0" encoding="utf-8"?>
-<p:sldLayout xmlns:a="http://schemas.openxmlformats.org/drawingml/2006/main" xmlns:r="http://schemas.openxmlformats.org/officeDocument/2006/relationships" xmlns:p="http://schemas.openxmlformats.org/presentationml/2006/main" type="tx" showMasterSp="0" showMasterPhAnim="1">
+<p:sldLayout xmlns:a="http://schemas.openxmlformats.org/drawingml/2006/main" xmlns:r="http://schemas.openxmlformats.org/officeDocument/2006/relationships" xmlns:p="http://schemas.openxmlformats.org/presentationml/2006/main" showMasterSp="0" type="tx">
   <p:cSld name="Title &amp; Subtitle Alt">
     <p:spTree>
       <p:nvGrpSpPr>
@@ -2182,13 +2264,16 @@
                 <a:sym typeface="Helvetica"/>
               </a:defRPr>
             </a:pPr>
+            <a:endParaRPr/>
           </a:p>
         </p:txBody>
       </p:sp>
       <p:sp>
         <p:nvSpPr>
           <p:cNvPr id="34" name="Shape 34"/>
-          <p:cNvSpPr/>
+          <p:cNvSpPr>
+            <a:spLocks noGrp="1"/>
+          </p:cNvSpPr>
           <p:nvPr>
             <p:ph type="title"/>
           </p:nvPr>
@@ -2213,7 +2298,6 @@
             </a:lvl1pPr>
           </a:lstStyle>
           <a:p>
-            <a:pPr/>
             <a:r>
               <a:t>Title Text</a:t>
             </a:r>
@@ -2223,7 +2307,9 @@
       <p:sp>
         <p:nvSpPr>
           <p:cNvPr id="35" name="Shape 35"/>
-          <p:cNvSpPr/>
+          <p:cNvSpPr>
+            <a:spLocks noGrp="1"/>
+          </p:cNvSpPr>
           <p:nvPr>
             <p:ph type="body" sz="quarter" idx="1"/>
           </p:nvPr>
@@ -2251,7 +2337,7 @@
               <a:buSzTx/>
               <a:buFontTx/>
               <a:buNone/>
-              <a:defRPr cap="all" sz="5400">
+              <a:defRPr sz="5400" cap="all">
                 <a:solidFill>
                   <a:srgbClr val="A6AAA9"/>
                 </a:solidFill>
@@ -2272,7 +2358,7 @@
               <a:buSzTx/>
               <a:buFontTx/>
               <a:buNone/>
-              <a:defRPr cap="all" sz="5400">
+              <a:defRPr sz="5400" cap="all">
                 <a:solidFill>
                   <a:srgbClr val="A6AAA9"/>
                 </a:solidFill>
@@ -2293,7 +2379,7 @@
               <a:buSzTx/>
               <a:buFontTx/>
               <a:buNone/>
-              <a:defRPr cap="all" sz="5400">
+              <a:defRPr sz="5400" cap="all">
                 <a:solidFill>
                   <a:srgbClr val="A6AAA9"/>
                 </a:solidFill>
@@ -2314,7 +2400,7 @@
               <a:buSzTx/>
               <a:buFontTx/>
               <a:buNone/>
-              <a:defRPr cap="all" sz="5400">
+              <a:defRPr sz="5400" cap="all">
                 <a:solidFill>
                   <a:srgbClr val="A6AAA9"/>
                 </a:solidFill>
@@ -2335,7 +2421,7 @@
               <a:buSzTx/>
               <a:buFontTx/>
               <a:buNone/>
-              <a:defRPr cap="all" sz="5400">
+              <a:defRPr sz="5400" cap="all">
                 <a:solidFill>
                   <a:srgbClr val="A6AAA9"/>
                 </a:solidFill>
@@ -2347,7 +2433,6 @@
             </a:lvl5pPr>
           </a:lstStyle>
           <a:p>
-            <a:pPr/>
             <a:r>
               <a:t>Body Level One</a:t>
             </a:r>
@@ -2381,7 +2466,9 @@
       <p:sp>
         <p:nvSpPr>
           <p:cNvPr id="36" name="Shape 36"/>
-          <p:cNvSpPr/>
+          <p:cNvSpPr>
+            <a:spLocks noGrp="1"/>
+          </p:cNvSpPr>
           <p:nvPr>
             <p:ph type="sldNum" sz="quarter" idx="2"/>
           </p:nvPr>
@@ -2399,8 +2486,10 @@
           <a:bodyPr/>
           <a:lstStyle/>
           <a:p>
-            <a:pPr/>
-            <a:fld id="{86CB4B4D-7CA3-9044-876B-883B54F8677D}" type="slidenum"/>
+            <a:fld id="{86CB4B4D-7CA3-9044-876B-883B54F8677D}" type="slidenum">
+              <a:t>‹#›</a:t>
+            </a:fld>
+            <a:endParaRPr/>
           </a:p>
         </p:txBody>
       </p:sp>
@@ -2409,18 +2498,19 @@
   <p:clrMapOvr>
     <a:masterClrMapping/>
   </p:clrMapOvr>
-  <p:transition xmlns:p14="http://schemas.microsoft.com/office/powerpoint/2010/main" spd="med" advClick="1"/>
+  <p:transition xmlns:p14="http://schemas.microsoft.com/office/powerpoint/2010/main" spd="med"/>
 </p:sldLayout>
 </file>
 
 <file path=ppt/slideLayouts/slideLayout4.xml><?xml version="1.0" encoding="utf-8"?>
-<p:sldLayout xmlns:a="http://schemas.openxmlformats.org/drawingml/2006/main" xmlns:r="http://schemas.openxmlformats.org/officeDocument/2006/relationships" xmlns:p="http://schemas.openxmlformats.org/presentationml/2006/main" type="tx" showMasterSp="0" showMasterPhAnim="1">
+<p:sldLayout xmlns:a="http://schemas.openxmlformats.org/drawingml/2006/main" xmlns:r="http://schemas.openxmlformats.org/officeDocument/2006/relationships" xmlns:p="http://schemas.openxmlformats.org/presentationml/2006/main" showMasterSp="0" type="tx">
   <p:cSld name="Title - Center">
     <p:bg>
       <p:bgPr>
         <a:solidFill>
           <a:srgbClr val="222222"/>
         </a:solidFill>
+        <a:effectLst/>
       </p:bgPr>
     </p:bg>
     <p:spTree>
@@ -2440,7 +2530,9 @@
       <p:sp>
         <p:nvSpPr>
           <p:cNvPr id="43" name="Shape 43"/>
-          <p:cNvSpPr/>
+          <p:cNvSpPr>
+            <a:spLocks noGrp="1"/>
+          </p:cNvSpPr>
           <p:nvPr>
             <p:ph type="title"/>
           </p:nvPr>
@@ -2465,7 +2557,6 @@
             </a:lvl1pPr>
           </a:lstStyle>
           <a:p>
-            <a:pPr/>
             <a:r>
               <a:t>Title Text</a:t>
             </a:r>
@@ -2475,7 +2566,9 @@
       <p:sp>
         <p:nvSpPr>
           <p:cNvPr id="44" name="Shape 44"/>
-          <p:cNvSpPr/>
+          <p:cNvSpPr>
+            <a:spLocks noGrp="1"/>
+          </p:cNvSpPr>
           <p:nvPr>
             <p:ph type="sldNum" sz="quarter" idx="2"/>
           </p:nvPr>
@@ -2493,8 +2586,10 @@
           <a:bodyPr/>
           <a:lstStyle/>
           <a:p>
-            <a:pPr/>
-            <a:fld id="{86CB4B4D-7CA3-9044-876B-883B54F8677D}" type="slidenum"/>
+            <a:fld id="{86CB4B4D-7CA3-9044-876B-883B54F8677D}" type="slidenum">
+              <a:t>‹#›</a:t>
+            </a:fld>
+            <a:endParaRPr/>
           </a:p>
         </p:txBody>
       </p:sp>
@@ -2503,18 +2598,19 @@
   <p:clrMapOvr>
     <a:masterClrMapping/>
   </p:clrMapOvr>
-  <p:transition xmlns:p14="http://schemas.microsoft.com/office/powerpoint/2010/main" spd="med" advClick="1"/>
+  <p:transition xmlns:p14="http://schemas.microsoft.com/office/powerpoint/2010/main" spd="med"/>
 </p:sldLayout>
 </file>
 
 <file path=ppt/slideLayouts/slideLayout5.xml><?xml version="1.0" encoding="utf-8"?>
-<p:sldLayout xmlns:a="http://schemas.openxmlformats.org/drawingml/2006/main" xmlns:r="http://schemas.openxmlformats.org/officeDocument/2006/relationships" xmlns:p="http://schemas.openxmlformats.org/presentationml/2006/main" type="tx" showMasterSp="0" showMasterPhAnim="1">
+<p:sldLayout xmlns:a="http://schemas.openxmlformats.org/drawingml/2006/main" xmlns:r="http://schemas.openxmlformats.org/officeDocument/2006/relationships" xmlns:p="http://schemas.openxmlformats.org/presentationml/2006/main" showMasterSp="0" type="tx">
   <p:cSld name="Photo - Vertical">
     <p:bg>
       <p:bgPr>
         <a:solidFill>
           <a:srgbClr val="222222"/>
         </a:solidFill>
+        <a:effectLst/>
       </p:bgPr>
     </p:bg>
     <p:spTree>
@@ -2570,13 +2666,16 @@
                 <a:sym typeface="Helvetica"/>
               </a:defRPr>
             </a:pPr>
+            <a:endParaRPr/>
           </a:p>
         </p:txBody>
       </p:sp>
       <p:sp>
         <p:nvSpPr>
           <p:cNvPr id="52" name="Shape 52"/>
-          <p:cNvSpPr/>
+          <p:cNvSpPr>
+            <a:spLocks noGrp="1"/>
+          </p:cNvSpPr>
           <p:nvPr>
             <p:ph type="pic" idx="13"/>
           </p:nvPr>
@@ -2596,14 +2695,16 @@
           </a:bodyPr>
           <a:lstStyle/>
           <a:p>
-            <a:pPr/>
+            <a:endParaRPr/>
           </a:p>
         </p:txBody>
       </p:sp>
       <p:sp>
         <p:nvSpPr>
           <p:cNvPr id="53" name="Shape 53"/>
-          <p:cNvSpPr/>
+          <p:cNvSpPr>
+            <a:spLocks noGrp="1"/>
+          </p:cNvSpPr>
           <p:nvPr>
             <p:ph type="title"/>
           </p:nvPr>
@@ -2628,7 +2729,6 @@
             </a:lvl1pPr>
           </a:lstStyle>
           <a:p>
-            <a:pPr/>
             <a:r>
               <a:t>Title Text</a:t>
             </a:r>
@@ -2638,7 +2738,9 @@
       <p:sp>
         <p:nvSpPr>
           <p:cNvPr id="54" name="Shape 54"/>
-          <p:cNvSpPr/>
+          <p:cNvSpPr>
+            <a:spLocks noGrp="1"/>
+          </p:cNvSpPr>
           <p:nvPr>
             <p:ph type="body" sz="quarter" idx="1"/>
           </p:nvPr>
@@ -2666,7 +2768,7 @@
               <a:buSzTx/>
               <a:buFontTx/>
               <a:buNone/>
-              <a:defRPr cap="all" sz="5400">
+              <a:defRPr sz="5400" cap="all">
                 <a:solidFill>
                   <a:srgbClr val="A6AAA9"/>
                 </a:solidFill>
@@ -2687,7 +2789,7 @@
               <a:buSzTx/>
               <a:buFontTx/>
               <a:buNone/>
-              <a:defRPr cap="all" sz="5400">
+              <a:defRPr sz="5400" cap="all">
                 <a:solidFill>
                   <a:srgbClr val="A6AAA9"/>
                 </a:solidFill>
@@ -2708,7 +2810,7 @@
               <a:buSzTx/>
               <a:buFontTx/>
               <a:buNone/>
-              <a:defRPr cap="all" sz="5400">
+              <a:defRPr sz="5400" cap="all">
                 <a:solidFill>
                   <a:srgbClr val="A6AAA9"/>
                 </a:solidFill>
@@ -2729,7 +2831,7 @@
               <a:buSzTx/>
               <a:buFontTx/>
               <a:buNone/>
-              <a:defRPr cap="all" sz="5400">
+              <a:defRPr sz="5400" cap="all">
                 <a:solidFill>
                   <a:srgbClr val="A6AAA9"/>
                 </a:solidFill>
@@ -2750,7 +2852,7 @@
               <a:buSzTx/>
               <a:buFontTx/>
               <a:buNone/>
-              <a:defRPr cap="all" sz="5400">
+              <a:defRPr sz="5400" cap="all">
                 <a:solidFill>
                   <a:srgbClr val="A6AAA9"/>
                 </a:solidFill>
@@ -2762,7 +2864,6 @@
             </a:lvl5pPr>
           </a:lstStyle>
           <a:p>
-            <a:pPr/>
             <a:r>
               <a:t>Body Level One</a:t>
             </a:r>
@@ -2796,7 +2897,9 @@
       <p:sp>
         <p:nvSpPr>
           <p:cNvPr id="55" name="Shape 55"/>
-          <p:cNvSpPr/>
+          <p:cNvSpPr>
+            <a:spLocks noGrp="1"/>
+          </p:cNvSpPr>
           <p:nvPr>
             <p:ph type="sldNum" sz="quarter" idx="2"/>
           </p:nvPr>
@@ -2814,8 +2917,10 @@
           <a:bodyPr/>
           <a:lstStyle/>
           <a:p>
-            <a:pPr/>
-            <a:fld id="{86CB4B4D-7CA3-9044-876B-883B54F8677D}" type="slidenum"/>
+            <a:fld id="{86CB4B4D-7CA3-9044-876B-883B54F8677D}" type="slidenum">
+              <a:t>‹#›</a:t>
+            </a:fld>
+            <a:endParaRPr/>
           </a:p>
         </p:txBody>
       </p:sp>
@@ -2824,12 +2929,12 @@
   <p:clrMapOvr>
     <a:masterClrMapping/>
   </p:clrMapOvr>
-  <p:transition xmlns:p14="http://schemas.microsoft.com/office/powerpoint/2010/main" spd="med" advClick="1"/>
+  <p:transition xmlns:p14="http://schemas.microsoft.com/office/powerpoint/2010/main" spd="med"/>
 </p:sldLayout>
 </file>
 
 <file path=ppt/slideLayouts/slideLayout6.xml><?xml version="1.0" encoding="utf-8"?>
-<p:sldLayout xmlns:a="http://schemas.openxmlformats.org/drawingml/2006/main" xmlns:r="http://schemas.openxmlformats.org/officeDocument/2006/relationships" xmlns:p="http://schemas.openxmlformats.org/presentationml/2006/main" type="tx" showMasterSp="1" showMasterPhAnim="1">
+<p:sldLayout xmlns:a="http://schemas.openxmlformats.org/drawingml/2006/main" xmlns:r="http://schemas.openxmlformats.org/officeDocument/2006/relationships" xmlns:p="http://schemas.openxmlformats.org/presentationml/2006/main" type="tx">
   <p:cSld name="Title - Top">
     <p:spTree>
       <p:nvGrpSpPr>
@@ -2848,7 +2953,9 @@
       <p:sp>
         <p:nvSpPr>
           <p:cNvPr id="62" name="Shape 62"/>
-          <p:cNvSpPr/>
+          <p:cNvSpPr>
+            <a:spLocks noGrp="1"/>
+          </p:cNvSpPr>
           <p:nvPr>
             <p:ph type="body" sz="quarter" idx="13"/>
           </p:nvPr>
@@ -2878,7 +2985,7 @@
               <a:buSzTx/>
               <a:buFontTx/>
               <a:buNone/>
-              <a:defRPr cap="all" spc="120" sz="2400">
+              <a:defRPr sz="2400" cap="all" spc="120">
                 <a:latin typeface="DIN Alternate"/>
                 <a:ea typeface="DIN Alternate"/>
                 <a:cs typeface="DIN Alternate"/>
@@ -2887,7 +2994,6 @@
             </a:lvl1pPr>
           </a:lstStyle>
           <a:p>
-            <a:pPr/>
             <a:r>
               <a:t>Text</a:t>
             </a:r>
@@ -2897,7 +3003,9 @@
       <p:sp>
         <p:nvSpPr>
           <p:cNvPr id="63" name="Shape 63"/>
-          <p:cNvSpPr/>
+          <p:cNvSpPr>
+            <a:spLocks noGrp="1"/>
+          </p:cNvSpPr>
           <p:nvPr>
             <p:ph type="title"/>
           </p:nvPr>
@@ -2911,7 +3019,6 @@
           <a:bodyPr/>
           <a:lstStyle/>
           <a:p>
-            <a:pPr/>
             <a:r>
               <a:t>Title Text</a:t>
             </a:r>
@@ -2921,7 +3028,9 @@
       <p:sp>
         <p:nvSpPr>
           <p:cNvPr id="64" name="Shape 64"/>
-          <p:cNvSpPr/>
+          <p:cNvSpPr>
+            <a:spLocks noGrp="1"/>
+          </p:cNvSpPr>
           <p:nvPr>
             <p:ph type="sldNum" sz="quarter" idx="2"/>
           </p:nvPr>
@@ -2935,8 +3044,10 @@
           <a:bodyPr/>
           <a:lstStyle/>
           <a:p>
-            <a:pPr/>
-            <a:fld id="{86CB4B4D-7CA3-9044-876B-883B54F8677D}" type="slidenum"/>
+            <a:fld id="{86CB4B4D-7CA3-9044-876B-883B54F8677D}" type="slidenum">
+              <a:t>‹#›</a:t>
+            </a:fld>
+            <a:endParaRPr/>
           </a:p>
         </p:txBody>
       </p:sp>
@@ -2945,18 +3056,19 @@
   <p:clrMapOvr>
     <a:masterClrMapping/>
   </p:clrMapOvr>
-  <p:transition xmlns:p14="http://schemas.microsoft.com/office/powerpoint/2010/main" spd="med" advClick="1"/>
+  <p:transition xmlns:p14="http://schemas.microsoft.com/office/powerpoint/2010/main" spd="med"/>
 </p:sldLayout>
 </file>
 
 <file path=ppt/slideLayouts/slideLayout7.xml><?xml version="1.0" encoding="utf-8"?>
-<p:sldLayout xmlns:a="http://schemas.openxmlformats.org/drawingml/2006/main" xmlns:r="http://schemas.openxmlformats.org/officeDocument/2006/relationships" xmlns:p="http://schemas.openxmlformats.org/presentationml/2006/main" type="tx" showMasterSp="1" showMasterPhAnim="1">
+<p:sldLayout xmlns:a="http://schemas.openxmlformats.org/drawingml/2006/main" xmlns:r="http://schemas.openxmlformats.org/officeDocument/2006/relationships" xmlns:p="http://schemas.openxmlformats.org/presentationml/2006/main" type="tx">
   <p:cSld name="Title &amp; Bullets">
     <p:bg>
       <p:bgPr>
         <a:solidFill>
           <a:srgbClr val="222222"/>
         </a:solidFill>
+        <a:effectLst/>
       </p:bgPr>
     </p:bg>
     <p:spTree>
@@ -2976,7 +3088,9 @@
       <p:sp>
         <p:nvSpPr>
           <p:cNvPr id="71" name="Shape 71"/>
-          <p:cNvSpPr/>
+          <p:cNvSpPr>
+            <a:spLocks noGrp="1"/>
+          </p:cNvSpPr>
           <p:nvPr>
             <p:ph type="body" sz="quarter" idx="13"/>
           </p:nvPr>
@@ -3006,7 +3120,7 @@
               <a:buSzTx/>
               <a:buFontTx/>
               <a:buNone/>
-              <a:defRPr cap="all" spc="120" sz="2400">
+              <a:defRPr sz="2400" cap="all" spc="120">
                 <a:latin typeface="DIN Alternate"/>
                 <a:ea typeface="DIN Alternate"/>
                 <a:cs typeface="DIN Alternate"/>
@@ -3015,7 +3129,6 @@
             </a:lvl1pPr>
           </a:lstStyle>
           <a:p>
-            <a:pPr/>
             <a:r>
               <a:t>Text</a:t>
             </a:r>
@@ -3025,7 +3138,9 @@
       <p:sp>
         <p:nvSpPr>
           <p:cNvPr id="72" name="Shape 72"/>
-          <p:cNvSpPr/>
+          <p:cNvSpPr>
+            <a:spLocks noGrp="1"/>
+          </p:cNvSpPr>
           <p:nvPr>
             <p:ph type="title"/>
           </p:nvPr>
@@ -3039,7 +3154,6 @@
           <a:bodyPr/>
           <a:lstStyle/>
           <a:p>
-            <a:pPr/>
             <a:r>
               <a:t>Title Text</a:t>
             </a:r>
@@ -3049,7 +3163,9 @@
       <p:sp>
         <p:nvSpPr>
           <p:cNvPr id="73" name="Shape 73"/>
-          <p:cNvSpPr/>
+          <p:cNvSpPr>
+            <a:spLocks noGrp="1"/>
+          </p:cNvSpPr>
           <p:nvPr>
             <p:ph type="body" idx="1"/>
           </p:nvPr>
@@ -3094,7 +3210,6 @@
             </a:lvl5pPr>
           </a:lstStyle>
           <a:p>
-            <a:pPr/>
             <a:r>
               <a:t>Body Level One</a:t>
             </a:r>
@@ -3128,7 +3243,9 @@
       <p:sp>
         <p:nvSpPr>
           <p:cNvPr id="74" name="Shape 74"/>
-          <p:cNvSpPr/>
+          <p:cNvSpPr>
+            <a:spLocks noGrp="1"/>
+          </p:cNvSpPr>
           <p:nvPr>
             <p:ph type="sldNum" sz="quarter" idx="2"/>
           </p:nvPr>
@@ -3142,8 +3259,10 @@
           <a:bodyPr/>
           <a:lstStyle/>
           <a:p>
-            <a:pPr/>
-            <a:fld id="{86CB4B4D-7CA3-9044-876B-883B54F8677D}" type="slidenum"/>
+            <a:fld id="{86CB4B4D-7CA3-9044-876B-883B54F8677D}" type="slidenum">
+              <a:t>‹#›</a:t>
+            </a:fld>
+            <a:endParaRPr/>
           </a:p>
         </p:txBody>
       </p:sp>
@@ -3152,12 +3271,12 @@
   <p:clrMapOvr>
     <a:masterClrMapping/>
   </p:clrMapOvr>
-  <p:transition xmlns:p14="http://schemas.microsoft.com/office/powerpoint/2010/main" spd="med" advClick="1"/>
+  <p:transition xmlns:p14="http://schemas.microsoft.com/office/powerpoint/2010/main" spd="med"/>
 </p:sldLayout>
 </file>
 
 <file path=ppt/slideLayouts/slideLayout8.xml><?xml version="1.0" encoding="utf-8"?>
-<p:sldLayout xmlns:a="http://schemas.openxmlformats.org/drawingml/2006/main" xmlns:r="http://schemas.openxmlformats.org/officeDocument/2006/relationships" xmlns:p="http://schemas.openxmlformats.org/presentationml/2006/main" type="tx" showMasterSp="1" showMasterPhAnim="1">
+<p:sldLayout xmlns:a="http://schemas.openxmlformats.org/drawingml/2006/main" xmlns:r="http://schemas.openxmlformats.org/officeDocument/2006/relationships" xmlns:p="http://schemas.openxmlformats.org/presentationml/2006/main" type="tx">
   <p:cSld name="Title &amp; Bullets Alt">
     <p:spTree>
       <p:nvGrpSpPr>
@@ -3176,7 +3295,9 @@
       <p:sp>
         <p:nvSpPr>
           <p:cNvPr id="81" name="Shape 81"/>
-          <p:cNvSpPr/>
+          <p:cNvSpPr>
+            <a:spLocks noGrp="1"/>
+          </p:cNvSpPr>
           <p:nvPr>
             <p:ph type="body" sz="quarter" idx="13"/>
           </p:nvPr>
@@ -3206,7 +3327,7 @@
               <a:buSzTx/>
               <a:buFontTx/>
               <a:buNone/>
-              <a:defRPr cap="all" spc="120" sz="2400">
+              <a:defRPr sz="2400" cap="all" spc="120">
                 <a:latin typeface="DIN Alternate"/>
                 <a:ea typeface="DIN Alternate"/>
                 <a:cs typeface="DIN Alternate"/>
@@ -3215,7 +3336,6 @@
             </a:lvl1pPr>
           </a:lstStyle>
           <a:p>
-            <a:pPr/>
             <a:r>
               <a:t>Text</a:t>
             </a:r>
@@ -3225,7 +3345,9 @@
       <p:sp>
         <p:nvSpPr>
           <p:cNvPr id="82" name="Shape 82"/>
-          <p:cNvSpPr/>
+          <p:cNvSpPr>
+            <a:spLocks noGrp="1"/>
+          </p:cNvSpPr>
           <p:nvPr>
             <p:ph type="title"/>
           </p:nvPr>
@@ -3239,7 +3361,6 @@
           <a:bodyPr/>
           <a:lstStyle/>
           <a:p>
-            <a:pPr/>
             <a:r>
               <a:t>Title Text</a:t>
             </a:r>
@@ -3249,7 +3370,9 @@
       <p:sp>
         <p:nvSpPr>
           <p:cNvPr id="83" name="Shape 83"/>
-          <p:cNvSpPr/>
+          <p:cNvSpPr>
+            <a:spLocks noGrp="1"/>
+          </p:cNvSpPr>
           <p:nvPr>
             <p:ph type="body" idx="1"/>
           </p:nvPr>
@@ -3294,7 +3417,6 @@
             </a:lvl5pPr>
           </a:lstStyle>
           <a:p>
-            <a:pPr/>
             <a:r>
               <a:t>Body Level One</a:t>
             </a:r>
@@ -3328,7 +3450,9 @@
       <p:sp>
         <p:nvSpPr>
           <p:cNvPr id="84" name="Shape 84"/>
-          <p:cNvSpPr/>
+          <p:cNvSpPr>
+            <a:spLocks noGrp="1"/>
+          </p:cNvSpPr>
           <p:nvPr>
             <p:ph type="sldNum" sz="quarter" idx="2"/>
           </p:nvPr>
@@ -3342,8 +3466,10 @@
           <a:bodyPr/>
           <a:lstStyle/>
           <a:p>
-            <a:pPr/>
-            <a:fld id="{86CB4B4D-7CA3-9044-876B-883B54F8677D}" type="slidenum"/>
+            <a:fld id="{86CB4B4D-7CA3-9044-876B-883B54F8677D}" type="slidenum">
+              <a:t>‹#›</a:t>
+            </a:fld>
+            <a:endParaRPr/>
           </a:p>
         </p:txBody>
       </p:sp>
@@ -3352,18 +3478,19 @@
   <p:clrMapOvr>
     <a:masterClrMapping/>
   </p:clrMapOvr>
-  <p:transition xmlns:p14="http://schemas.microsoft.com/office/powerpoint/2010/main" spd="med" advClick="1"/>
+  <p:transition xmlns:p14="http://schemas.microsoft.com/office/powerpoint/2010/main" spd="med"/>
 </p:sldLayout>
 </file>
 
 <file path=ppt/slideLayouts/slideLayout9.xml><?xml version="1.0" encoding="utf-8"?>
-<p:sldLayout xmlns:a="http://schemas.openxmlformats.org/drawingml/2006/main" xmlns:r="http://schemas.openxmlformats.org/officeDocument/2006/relationships" xmlns:p="http://schemas.openxmlformats.org/presentationml/2006/main" type="tx" showMasterSp="1" showMasterPhAnim="1">
+<p:sldLayout xmlns:a="http://schemas.openxmlformats.org/drawingml/2006/main" xmlns:r="http://schemas.openxmlformats.org/officeDocument/2006/relationships" xmlns:p="http://schemas.openxmlformats.org/presentationml/2006/main" type="tx">
   <p:cSld name="Title, Bullets &amp; Photo">
     <p:bg>
       <p:bgPr>
         <a:solidFill>
           <a:srgbClr val="222222"/>
         </a:solidFill>
+        <a:effectLst/>
       </p:bgPr>
     </p:bg>
     <p:spTree>
@@ -3383,7 +3510,9 @@
       <p:sp>
         <p:nvSpPr>
           <p:cNvPr id="91" name="Shape 91"/>
-          <p:cNvSpPr/>
+          <p:cNvSpPr>
+            <a:spLocks noGrp="1"/>
+          </p:cNvSpPr>
           <p:nvPr>
             <p:ph type="body" sz="quarter" idx="13"/>
           </p:nvPr>
@@ -3413,7 +3542,7 @@
               <a:buSzTx/>
               <a:buFontTx/>
               <a:buNone/>
-              <a:defRPr cap="all" spc="120" sz="2400">
+              <a:defRPr sz="2400" cap="all" spc="120">
                 <a:latin typeface="DIN Alternate"/>
                 <a:ea typeface="DIN Alternate"/>
                 <a:cs typeface="DIN Alternate"/>
@@ -3422,7 +3551,6 @@
             </a:lvl1pPr>
           </a:lstStyle>
           <a:p>
-            <a:pPr/>
             <a:r>
               <a:t>Text</a:t>
             </a:r>
@@ -3432,7 +3560,9 @@
       <p:sp>
         <p:nvSpPr>
           <p:cNvPr id="92" name="Shape 92"/>
-          <p:cNvSpPr/>
+          <p:cNvSpPr>
+            <a:spLocks noGrp="1"/>
+          </p:cNvSpPr>
           <p:nvPr>
             <p:ph type="pic" sz="half" idx="14"/>
           </p:nvPr>
@@ -3452,14 +3582,16 @@
           </a:bodyPr>
           <a:lstStyle/>
           <a:p>
-            <a:pPr/>
+            <a:endParaRPr/>
           </a:p>
         </p:txBody>
       </p:sp>
       <p:sp>
         <p:nvSpPr>
           <p:cNvPr id="93" name="Shape 93"/>
-          <p:cNvSpPr/>
+          <p:cNvSpPr>
+            <a:spLocks noGrp="1"/>
+          </p:cNvSpPr>
           <p:nvPr>
             <p:ph type="title"/>
           </p:nvPr>
@@ -3477,7 +3609,6 @@
           <a:bodyPr/>
           <a:lstStyle/>
           <a:p>
-            <a:pPr/>
             <a:r>
               <a:t>Title Text</a:t>
             </a:r>
@@ -3487,7 +3618,9 @@
       <p:sp>
         <p:nvSpPr>
           <p:cNvPr id="94" name="Shape 94"/>
-          <p:cNvSpPr/>
+          <p:cNvSpPr>
+            <a:spLocks noGrp="1"/>
+          </p:cNvSpPr>
           <p:nvPr>
             <p:ph type="body" sz="half" idx="1"/>
           </p:nvPr>
@@ -3541,7 +3674,6 @@
             </a:lvl5pPr>
           </a:lstStyle>
           <a:p>
-            <a:pPr/>
             <a:r>
               <a:t>Body Level One</a:t>
             </a:r>
@@ -3575,7 +3707,9 @@
       <p:sp>
         <p:nvSpPr>
           <p:cNvPr id="95" name="Shape 95"/>
-          <p:cNvSpPr/>
+          <p:cNvSpPr>
+            <a:spLocks noGrp="1"/>
+          </p:cNvSpPr>
           <p:nvPr>
             <p:ph type="sldNum" sz="quarter" idx="2"/>
           </p:nvPr>
@@ -3589,8 +3723,10 @@
           <a:bodyPr/>
           <a:lstStyle/>
           <a:p>
-            <a:pPr/>
-            <a:fld id="{86CB4B4D-7CA3-9044-876B-883B54F8677D}" type="slidenum"/>
+            <a:fld id="{86CB4B4D-7CA3-9044-876B-883B54F8677D}" type="slidenum">
+              <a:t>‹#›</a:t>
+            </a:fld>
+            <a:endParaRPr/>
           </a:p>
         </p:txBody>
       </p:sp>
@@ -3599,7 +3735,7 @@
   <p:clrMapOvr>
     <a:masterClrMapping/>
   </p:clrMapOvr>
-  <p:transition xmlns:p14="http://schemas.microsoft.com/office/powerpoint/2010/main" spd="med" advClick="1"/>
+  <p:transition xmlns:p14="http://schemas.microsoft.com/office/powerpoint/2010/main" spd="med"/>
 </p:sldLayout>
 </file>
 
@@ -3611,6 +3747,7 @@
         <a:solidFill>
           <a:srgbClr val="FFFFFF"/>
         </a:solidFill>
+        <a:effectLst/>
       </p:bgPr>
     </p:bg>
     <p:spTree>
@@ -3666,13 +3803,16 @@
                 <a:sym typeface="Helvetica"/>
               </a:defRPr>
             </a:pPr>
+            <a:endParaRPr/>
           </a:p>
         </p:txBody>
       </p:sp>
       <p:sp>
         <p:nvSpPr>
           <p:cNvPr id="3" name="Shape 3"/>
-          <p:cNvSpPr/>
+          <p:cNvSpPr>
+            <a:spLocks noGrp="1"/>
+          </p:cNvSpPr>
           <p:nvPr>
             <p:ph type="title"/>
           </p:nvPr>
@@ -3696,11 +3836,10 @@
         </p:spPr>
         <p:txBody>
           <a:bodyPr lIns="50800" tIns="50800" rIns="50800" bIns="50800">
-            <a:normAutofit fontScale="100000" lnSpcReduction="0"/>
+            <a:normAutofit/>
           </a:bodyPr>
           <a:lstStyle/>
           <a:p>
-            <a:pPr/>
             <a:r>
               <a:t>Title Text</a:t>
             </a:r>
@@ -3710,7 +3849,9 @@
       <p:sp>
         <p:nvSpPr>
           <p:cNvPr id="4" name="Shape 4"/>
-          <p:cNvSpPr/>
+          <p:cNvSpPr>
+            <a:spLocks noGrp="1"/>
+          </p:cNvSpPr>
           <p:nvPr>
             <p:ph type="body" idx="1"/>
           </p:nvPr>
@@ -3734,11 +3875,10 @@
         </p:spPr>
         <p:txBody>
           <a:bodyPr lIns="50800" tIns="50800" rIns="50800" bIns="50800">
-            <a:normAutofit fontScale="100000" lnSpcReduction="0"/>
+            <a:normAutofit/>
           </a:bodyPr>
           <a:lstStyle/>
           <a:p>
-            <a:pPr/>
             <a:r>
               <a:t>Body Level One</a:t>
             </a:r>
@@ -3772,7 +3912,9 @@
       <p:sp>
         <p:nvSpPr>
           <p:cNvPr id="5" name="Shape 5"/>
-          <p:cNvSpPr/>
+          <p:cNvSpPr>
+            <a:spLocks noGrp="1"/>
+          </p:cNvSpPr>
           <p:nvPr>
             <p:ph type="sldNum" sz="quarter" idx="2"/>
           </p:nvPr>
@@ -3810,8 +3952,10 @@
             </a:lvl1pPr>
           </a:lstStyle>
           <a:p>
-            <a:pPr/>
-            <a:fld id="{86CB4B4D-7CA3-9044-876B-883B54F8677D}" type="slidenum"/>
+            <a:fld id="{86CB4B4D-7CA3-9044-876B-883B54F8677D}" type="slidenum">
+              <a:t>‹#›</a:t>
+            </a:fld>
+            <a:endParaRPr/>
           </a:p>
         </p:txBody>
       </p:sp>
@@ -3819,24 +3963,24 @@
   </p:cSld>
   <p:clrMap bg1="dk1" tx1="lt1" bg2="dk2" tx2="lt2" accent1="accent1" accent2="accent2" accent3="accent3" accent4="accent4" accent5="accent5" accent6="accent6" hlink="hlink" folHlink="folHlink"/>
   <p:sldLayoutIdLst>
-    <p:sldLayoutId id="2147483649" r:id="rId2"/>
-    <p:sldLayoutId id="2147483650" r:id="rId3"/>
-    <p:sldLayoutId id="2147483651" r:id="rId4"/>
-    <p:sldLayoutId id="2147483652" r:id="rId5"/>
-    <p:sldLayoutId id="2147483653" r:id="rId6"/>
-    <p:sldLayoutId id="2147483654" r:id="rId7"/>
-    <p:sldLayoutId id="2147483655" r:id="rId8"/>
-    <p:sldLayoutId id="2147483656" r:id="rId9"/>
-    <p:sldLayoutId id="2147483657" r:id="rId10"/>
-    <p:sldLayoutId id="2147483658" r:id="rId11"/>
-    <p:sldLayoutId id="2147483659" r:id="rId12"/>
-    <p:sldLayoutId id="2147483660" r:id="rId13"/>
-    <p:sldLayoutId id="2147483661" r:id="rId14"/>
-    <p:sldLayoutId id="2147483662" r:id="rId15"/>
-    <p:sldLayoutId id="2147483663" r:id="rId16"/>
-    <p:sldLayoutId id="2147483664" r:id="rId17"/>
+    <p:sldLayoutId id="2147483649" r:id="rId1"/>
+    <p:sldLayoutId id="2147483650" r:id="rId2"/>
+    <p:sldLayoutId id="2147483651" r:id="rId3"/>
+    <p:sldLayoutId id="2147483652" r:id="rId4"/>
+    <p:sldLayoutId id="2147483653" r:id="rId5"/>
+    <p:sldLayoutId id="2147483654" r:id="rId6"/>
+    <p:sldLayoutId id="2147483655" r:id="rId7"/>
+    <p:sldLayoutId id="2147483656" r:id="rId8"/>
+    <p:sldLayoutId id="2147483657" r:id="rId9"/>
+    <p:sldLayoutId id="2147483658" r:id="rId10"/>
+    <p:sldLayoutId id="2147483659" r:id="rId11"/>
+    <p:sldLayoutId id="2147483660" r:id="rId12"/>
+    <p:sldLayoutId id="2147483661" r:id="rId13"/>
+    <p:sldLayoutId id="2147483662" r:id="rId14"/>
+    <p:sldLayoutId id="2147483663" r:id="rId15"/>
+    <p:sldLayoutId id="2147483664" r:id="rId16"/>
   </p:sldLayoutIdLst>
-  <p:transition xmlns:p14="http://schemas.microsoft.com/office/powerpoint/2010/main" spd="med" advClick="1"/>
+  <p:transition xmlns:p14="http://schemas.microsoft.com/office/powerpoint/2010/main" spd="med"/>
   <p:txStyles>
     <p:titleStyle>
       <a:lvl1pPr marL="0" marR="0" indent="0" algn="l" defTabSz="584200" rtl="0" latinLnBrk="0">
@@ -3854,7 +3998,7 @@
         <a:buFontTx/>
         <a:buNone/>
         <a:tabLst/>
-        <a:defRPr b="0" baseline="0" cap="all" i="0" spc="0" strike="noStrike" sz="6000" u="none">
+        <a:defRPr sz="6000" b="0" i="0" u="none" strike="noStrike" cap="all" spc="0" baseline="0">
           <a:ln>
             <a:noFill/>
           </a:ln>
@@ -3883,7 +4027,7 @@
         <a:buFontTx/>
         <a:buNone/>
         <a:tabLst/>
-        <a:defRPr b="0" baseline="0" cap="all" i="0" spc="0" strike="noStrike" sz="6000" u="none">
+        <a:defRPr sz="6000" b="0" i="0" u="none" strike="noStrike" cap="all" spc="0" baseline="0">
           <a:ln>
             <a:noFill/>
           </a:ln>
@@ -3912,7 +4056,7 @@
         <a:buFontTx/>
         <a:buNone/>
         <a:tabLst/>
-        <a:defRPr b="0" baseline="0" cap="all" i="0" spc="0" strike="noStrike" sz="6000" u="none">
+        <a:defRPr sz="6000" b="0" i="0" u="none" strike="noStrike" cap="all" spc="0" baseline="0">
           <a:ln>
             <a:noFill/>
           </a:ln>
@@ -3941,7 +4085,7 @@
         <a:buFontTx/>
         <a:buNone/>
         <a:tabLst/>
-        <a:defRPr b="0" baseline="0" cap="all" i="0" spc="0" strike="noStrike" sz="6000" u="none">
+        <a:defRPr sz="6000" b="0" i="0" u="none" strike="noStrike" cap="all" spc="0" baseline="0">
           <a:ln>
             <a:noFill/>
           </a:ln>
@@ -3970,7 +4114,7 @@
         <a:buFontTx/>
         <a:buNone/>
         <a:tabLst/>
-        <a:defRPr b="0" baseline="0" cap="all" i="0" spc="0" strike="noStrike" sz="6000" u="none">
+        <a:defRPr sz="6000" b="0" i="0" u="none" strike="noStrike" cap="all" spc="0" baseline="0">
           <a:ln>
             <a:noFill/>
           </a:ln>
@@ -3999,7 +4143,7 @@
         <a:buFontTx/>
         <a:buNone/>
         <a:tabLst/>
-        <a:defRPr b="0" baseline="0" cap="all" i="0" spc="0" strike="noStrike" sz="6000" u="none">
+        <a:defRPr sz="6000" b="0" i="0" u="none" strike="noStrike" cap="all" spc="0" baseline="0">
           <a:ln>
             <a:noFill/>
           </a:ln>
@@ -4028,7 +4172,7 @@
         <a:buFontTx/>
         <a:buNone/>
         <a:tabLst/>
-        <a:defRPr b="0" baseline="0" cap="all" i="0" spc="0" strike="noStrike" sz="6000" u="none">
+        <a:defRPr sz="6000" b="0" i="0" u="none" strike="noStrike" cap="all" spc="0" baseline="0">
           <a:ln>
             <a:noFill/>
           </a:ln>
@@ -4057,7 +4201,7 @@
         <a:buFontTx/>
         <a:buNone/>
         <a:tabLst/>
-        <a:defRPr b="0" baseline="0" cap="all" i="0" spc="0" strike="noStrike" sz="6000" u="none">
+        <a:defRPr sz="6000" b="0" i="0" u="none" strike="noStrike" cap="all" spc="0" baseline="0">
           <a:ln>
             <a:noFill/>
           </a:ln>
@@ -4086,7 +4230,7 @@
         <a:buFontTx/>
         <a:buNone/>
         <a:tabLst/>
-        <a:defRPr b="0" baseline="0" cap="all" i="0" spc="0" strike="noStrike" sz="6000" u="none">
+        <a:defRPr sz="6000" b="0" i="0" u="none" strike="noStrike" cap="all" spc="0" baseline="0">
           <a:ln>
             <a:noFill/>
           </a:ln>
@@ -4121,7 +4265,7 @@
         <a:buFont typeface="Avenir Next"/>
         <a:buChar char="‣"/>
         <a:tabLst/>
-        <a:defRPr b="0" baseline="0" cap="none" i="0" spc="0" strike="noStrike" sz="3400" u="none">
+        <a:defRPr sz="3400" b="0" i="0" u="none" strike="noStrike" cap="none" spc="0" baseline="0">
           <a:ln>
             <a:noFill/>
           </a:ln>
@@ -4154,7 +4298,7 @@
         <a:buFont typeface="Avenir Next"/>
         <a:buChar char="‣"/>
         <a:tabLst/>
-        <a:defRPr b="0" baseline="0" cap="none" i="0" spc="0" strike="noStrike" sz="3400" u="none">
+        <a:defRPr sz="3400" b="0" i="0" u="none" strike="noStrike" cap="none" spc="0" baseline="0">
           <a:ln>
             <a:noFill/>
           </a:ln>
@@ -4187,7 +4331,7 @@
         <a:buFont typeface="Avenir Next"/>
         <a:buChar char="‣"/>
         <a:tabLst/>
-        <a:defRPr b="0" baseline="0" cap="none" i="0" spc="0" strike="noStrike" sz="3400" u="none">
+        <a:defRPr sz="3400" b="0" i="0" u="none" strike="noStrike" cap="none" spc="0" baseline="0">
           <a:ln>
             <a:noFill/>
           </a:ln>
@@ -4220,7 +4364,7 @@
         <a:buFont typeface="Avenir Next"/>
         <a:buChar char="‣"/>
         <a:tabLst/>
-        <a:defRPr b="0" baseline="0" cap="none" i="0" spc="0" strike="noStrike" sz="3400" u="none">
+        <a:defRPr sz="3400" b="0" i="0" u="none" strike="noStrike" cap="none" spc="0" baseline="0">
           <a:ln>
             <a:noFill/>
           </a:ln>
@@ -4253,7 +4397,7 @@
         <a:buFont typeface="Avenir Next"/>
         <a:buChar char="‣"/>
         <a:tabLst/>
-        <a:defRPr b="0" baseline="0" cap="none" i="0" spc="0" strike="noStrike" sz="3400" u="none">
+        <a:defRPr sz="3400" b="0" i="0" u="none" strike="noStrike" cap="none" spc="0" baseline="0">
           <a:ln>
             <a:noFill/>
           </a:ln>
@@ -4286,7 +4430,7 @@
         <a:buFont typeface="Avenir Next"/>
         <a:buChar char="‣"/>
         <a:tabLst/>
-        <a:defRPr b="0" baseline="0" cap="none" i="0" spc="0" strike="noStrike" sz="3400" u="none">
+        <a:defRPr sz="3400" b="0" i="0" u="none" strike="noStrike" cap="none" spc="0" baseline="0">
           <a:ln>
             <a:noFill/>
           </a:ln>
@@ -4319,7 +4463,7 @@
         <a:buFont typeface="Avenir Next"/>
         <a:buChar char="‣"/>
         <a:tabLst/>
-        <a:defRPr b="0" baseline="0" cap="none" i="0" spc="0" strike="noStrike" sz="3400" u="none">
+        <a:defRPr sz="3400" b="0" i="0" u="none" strike="noStrike" cap="none" spc="0" baseline="0">
           <a:ln>
             <a:noFill/>
           </a:ln>
@@ -4352,7 +4496,7 @@
         <a:buFont typeface="Avenir Next"/>
         <a:buChar char="‣"/>
         <a:tabLst/>
-        <a:defRPr b="0" baseline="0" cap="none" i="0" spc="0" strike="noStrike" sz="3400" u="none">
+        <a:defRPr sz="3400" b="0" i="0" u="none" strike="noStrike" cap="none" spc="0" baseline="0">
           <a:ln>
             <a:noFill/>
           </a:ln>
@@ -4385,7 +4529,7 @@
         <a:buFont typeface="Avenir Next"/>
         <a:buChar char="‣"/>
         <a:tabLst/>
-        <a:defRPr b="0" baseline="0" cap="none" i="0" spc="0" strike="noStrike" sz="3400" u="none">
+        <a:defRPr sz="3400" b="0" i="0" u="none" strike="noStrike" cap="none" spc="0" baseline="0">
           <a:ln>
             <a:noFill/>
           </a:ln>
@@ -4416,7 +4560,7 @@
         <a:buFontTx/>
         <a:buNone/>
         <a:tabLst/>
-        <a:defRPr b="0" baseline="0" cap="none" i="0" spc="0" strike="noStrike" sz="2400" u="none">
+        <a:defRPr sz="2400" b="0" i="0" u="none" strike="noStrike" cap="none" spc="0" baseline="0">
           <a:ln>
             <a:noFill/>
           </a:ln>
@@ -4445,7 +4589,7 @@
         <a:buFontTx/>
         <a:buNone/>
         <a:tabLst/>
-        <a:defRPr b="0" baseline="0" cap="none" i="0" spc="0" strike="noStrike" sz="2400" u="none">
+        <a:defRPr sz="2400" b="0" i="0" u="none" strike="noStrike" cap="none" spc="0" baseline="0">
           <a:ln>
             <a:noFill/>
           </a:ln>
@@ -4474,7 +4618,7 @@
         <a:buFontTx/>
         <a:buNone/>
         <a:tabLst/>
-        <a:defRPr b="0" baseline="0" cap="none" i="0" spc="0" strike="noStrike" sz="2400" u="none">
+        <a:defRPr sz="2400" b="0" i="0" u="none" strike="noStrike" cap="none" spc="0" baseline="0">
           <a:ln>
             <a:noFill/>
           </a:ln>
@@ -4503,7 +4647,7 @@
         <a:buFontTx/>
         <a:buNone/>
         <a:tabLst/>
-        <a:defRPr b="0" baseline="0" cap="none" i="0" spc="0" strike="noStrike" sz="2400" u="none">
+        <a:defRPr sz="2400" b="0" i="0" u="none" strike="noStrike" cap="none" spc="0" baseline="0">
           <a:ln>
             <a:noFill/>
           </a:ln>
@@ -4532,7 +4676,7 @@
         <a:buFontTx/>
         <a:buNone/>
         <a:tabLst/>
-        <a:defRPr b="0" baseline="0" cap="none" i="0" spc="0" strike="noStrike" sz="2400" u="none">
+        <a:defRPr sz="2400" b="0" i="0" u="none" strike="noStrike" cap="none" spc="0" baseline="0">
           <a:ln>
             <a:noFill/>
           </a:ln>
@@ -4561,7 +4705,7 @@
         <a:buFontTx/>
         <a:buNone/>
         <a:tabLst/>
-        <a:defRPr b="0" baseline="0" cap="none" i="0" spc="0" strike="noStrike" sz="2400" u="none">
+        <a:defRPr sz="2400" b="0" i="0" u="none" strike="noStrike" cap="none" spc="0" baseline="0">
           <a:ln>
             <a:noFill/>
           </a:ln>
@@ -4590,7 +4734,7 @@
         <a:buFontTx/>
         <a:buNone/>
         <a:tabLst/>
-        <a:defRPr b="0" baseline="0" cap="none" i="0" spc="0" strike="noStrike" sz="2400" u="none">
+        <a:defRPr sz="2400" b="0" i="0" u="none" strike="noStrike" cap="none" spc="0" baseline="0">
           <a:ln>
             <a:noFill/>
           </a:ln>
@@ -4619,7 +4763,7 @@
         <a:buFontTx/>
         <a:buNone/>
         <a:tabLst/>
-        <a:defRPr b="0" baseline="0" cap="none" i="0" spc="0" strike="noStrike" sz="2400" u="none">
+        <a:defRPr sz="2400" b="0" i="0" u="none" strike="noStrike" cap="none" spc="0" baseline="0">
           <a:ln>
             <a:noFill/>
           </a:ln>
@@ -4648,7 +4792,7 @@
         <a:buFontTx/>
         <a:buNone/>
         <a:tabLst/>
-        <a:defRPr b="0" baseline="0" cap="none" i="0" spc="0" strike="noStrike" sz="2400" u="none">
+        <a:defRPr sz="2400" b="0" i="0" u="none" strike="noStrike" cap="none" spc="0" baseline="0">
           <a:ln>
             <a:noFill/>
           </a:ln>
@@ -4668,7 +4812,7 @@
 </file>
 
 <file path=ppt/slides/slide1.xml><?xml version="1.0" encoding="utf-8"?>
-<p:sld xmlns:a="http://schemas.openxmlformats.org/drawingml/2006/main" xmlns:r="http://schemas.openxmlformats.org/officeDocument/2006/relationships" xmlns:p="http://schemas.openxmlformats.org/presentationml/2006/main" showMasterSp="1" showMasterPhAnim="1">
+<p:sld xmlns:a="http://schemas.openxmlformats.org/drawingml/2006/main" xmlns:r="http://schemas.openxmlformats.org/officeDocument/2006/relationships" xmlns:p="http://schemas.openxmlformats.org/presentationml/2006/main">
   <p:cSld>
     <p:spTree>
       <p:nvGrpSpPr>
@@ -4687,7 +4831,9 @@
       <p:sp>
         <p:nvSpPr>
           <p:cNvPr id="166" name="Shape 166"/>
-          <p:cNvSpPr/>
+          <p:cNvSpPr>
+            <a:spLocks noGrp="1"/>
+          </p:cNvSpPr>
           <p:nvPr>
             <p:ph type="ctrTitle"/>
           </p:nvPr>
@@ -4701,7 +4847,6 @@
           <a:bodyPr/>
           <a:lstStyle/>
           <a:p>
-            <a:pPr/>
             <a:r>
               <a:t>weather alarm</a:t>
             </a:r>
@@ -4711,7 +4856,9 @@
       <p:sp>
         <p:nvSpPr>
           <p:cNvPr id="167" name="Shape 167"/>
-          <p:cNvSpPr/>
+          <p:cNvSpPr>
+            <a:spLocks noGrp="1"/>
+          </p:cNvSpPr>
           <p:nvPr>
             <p:ph type="subTitle" sz="quarter" idx="1"/>
           </p:nvPr>
@@ -4725,7 +4872,6 @@
           <a:bodyPr/>
           <a:lstStyle/>
           <a:p>
-            <a:pPr/>
             <a:r>
               <a:t>Brian Woestman</a:t>
             </a:r>
@@ -4737,12 +4883,12 @@
   <p:clrMapOvr>
     <a:masterClrMapping/>
   </p:clrMapOvr>
-  <p:transition xmlns:p14="http://schemas.microsoft.com/office/powerpoint/2010/main" spd="med" advClick="1"/>
+  <p:transition xmlns:p14="http://schemas.microsoft.com/office/powerpoint/2010/main" spd="med"/>
 </p:sld>
 </file>
 
 <file path=ppt/slides/slide10.xml><?xml version="1.0" encoding="utf-8"?>
-<p:sld xmlns:a="http://schemas.openxmlformats.org/drawingml/2006/main" xmlns:r="http://schemas.openxmlformats.org/officeDocument/2006/relationships" xmlns:p="http://schemas.openxmlformats.org/presentationml/2006/main" showMasterSp="1" showMasterPhAnim="1">
+<p:sld xmlns:a="http://schemas.openxmlformats.org/drawingml/2006/main" xmlns:r="http://schemas.openxmlformats.org/officeDocument/2006/relationships" xmlns:p="http://schemas.openxmlformats.org/presentationml/2006/main">
   <p:cSld>
     <p:spTree>
       <p:nvGrpSpPr>
@@ -4761,7 +4907,9 @@
       <p:sp>
         <p:nvSpPr>
           <p:cNvPr id="201" name="Shape 201"/>
-          <p:cNvSpPr/>
+          <p:cNvSpPr>
+            <a:spLocks noGrp="1"/>
+          </p:cNvSpPr>
           <p:nvPr>
             <p:ph type="body" idx="13"/>
           </p:nvPr>
@@ -4775,7 +4923,6 @@
           <a:bodyPr/>
           <a:lstStyle/>
           <a:p>
-            <a:pPr/>
             <a:r>
               <a:t>weatheralarm</a:t>
             </a:r>
@@ -4785,7 +4932,9 @@
       <p:sp>
         <p:nvSpPr>
           <p:cNvPr id="202" name="Shape 202"/>
-          <p:cNvSpPr/>
+          <p:cNvSpPr>
+            <a:spLocks noGrp="1"/>
+          </p:cNvSpPr>
           <p:nvPr>
             <p:ph type="title"/>
           </p:nvPr>
@@ -4806,7 +4955,6 @@
             </a:lvl1pPr>
           </a:lstStyle>
           <a:p>
-            <a:pPr/>
             <a:r>
               <a:t>lessons learned</a:t>
             </a:r>
@@ -4816,7 +4964,9 @@
       <p:sp>
         <p:nvSpPr>
           <p:cNvPr id="203" name="Shape 203"/>
-          <p:cNvSpPr/>
+          <p:cNvSpPr>
+            <a:spLocks noGrp="1"/>
+          </p:cNvSpPr>
           <p:nvPr>
             <p:ph type="body" idx="1"/>
           </p:nvPr>
@@ -4830,31 +4980,26 @@
           <a:bodyPr/>
           <a:lstStyle/>
           <a:p>
-            <a:pPr/>
             <a:r>
               <a:t>Double check variable types before creating database</a:t>
             </a:r>
           </a:p>
           <a:p>
-            <a:pPr/>
             <a:r>
               <a:t>Research critical parts of app before it’s time to build</a:t>
             </a:r>
           </a:p>
           <a:p>
-            <a:pPr/>
             <a:r>
               <a:t>See if there are other similar apps that might offer insight</a:t>
             </a:r>
           </a:p>
           <a:p>
-            <a:pPr/>
             <a:r>
               <a:t>Do not procrastinate</a:t>
             </a:r>
           </a:p>
           <a:p>
-            <a:pPr/>
             <a:r>
               <a:t>Any time spent coding / conceptualizing is time well spent</a:t>
             </a:r>
@@ -4866,12 +5011,12 @@
   <p:clrMapOvr>
     <a:masterClrMapping/>
   </p:clrMapOvr>
-  <p:transition xmlns:p14="http://schemas.microsoft.com/office/powerpoint/2010/main" spd="med" advClick="1" p14:dur="1000"/>
+  <p:transition xmlns:p14="http://schemas.microsoft.com/office/powerpoint/2010/main" spd="slow"/>
 </p:sld>
 </file>
 
 <file path=ppt/slides/slide11.xml><?xml version="1.0" encoding="utf-8"?>
-<p:sld xmlns:a="http://schemas.openxmlformats.org/drawingml/2006/main" xmlns:r="http://schemas.openxmlformats.org/officeDocument/2006/relationships" xmlns:p="http://schemas.openxmlformats.org/presentationml/2006/main" showMasterSp="1" showMasterPhAnim="1">
+<p:sld xmlns:a="http://schemas.openxmlformats.org/drawingml/2006/main" xmlns:r="http://schemas.openxmlformats.org/officeDocument/2006/relationships" xmlns:p="http://schemas.openxmlformats.org/presentationml/2006/main">
   <p:cSld>
     <p:spTree>
       <p:nvGrpSpPr>
@@ -4890,7 +5035,9 @@
       <p:sp>
         <p:nvSpPr>
           <p:cNvPr id="205" name="Shape 205"/>
-          <p:cNvSpPr/>
+          <p:cNvSpPr>
+            <a:spLocks noGrp="1"/>
+          </p:cNvSpPr>
           <p:nvPr>
             <p:ph type="title"/>
           </p:nvPr>
@@ -4908,7 +5055,6 @@
             </a:lvl1pPr>
           </a:lstStyle>
           <a:p>
-            <a:pPr/>
             <a:r>
               <a:t>code review &amp; google developer</a:t>
             </a:r>
@@ -4920,12 +5066,12 @@
   <p:clrMapOvr>
     <a:masterClrMapping/>
   </p:clrMapOvr>
-  <p:transition xmlns:p14="http://schemas.microsoft.com/office/powerpoint/2010/main" spd="med" advClick="1" p14:dur="1000"/>
+  <p:transition xmlns:p14="http://schemas.microsoft.com/office/powerpoint/2010/main" spd="slow"/>
 </p:sld>
 </file>
 
 <file path=ppt/slides/slide2.xml><?xml version="1.0" encoding="utf-8"?>
-<p:sld xmlns:a="http://schemas.openxmlformats.org/drawingml/2006/main" xmlns:r="http://schemas.openxmlformats.org/officeDocument/2006/relationships" xmlns:p="http://schemas.openxmlformats.org/presentationml/2006/main" showMasterSp="1" showMasterPhAnim="1">
+<p:sld xmlns:a="http://schemas.openxmlformats.org/drawingml/2006/main" xmlns:r="http://schemas.openxmlformats.org/officeDocument/2006/relationships" xmlns:p="http://schemas.openxmlformats.org/presentationml/2006/main">
   <p:cSld>
     <p:spTree>
       <p:nvGrpSpPr>
@@ -4944,7 +5090,9 @@
       <p:sp>
         <p:nvSpPr>
           <p:cNvPr id="169" name="Shape 169"/>
-          <p:cNvSpPr/>
+          <p:cNvSpPr>
+            <a:spLocks noGrp="1"/>
+          </p:cNvSpPr>
           <p:nvPr>
             <p:ph type="body" idx="13"/>
           </p:nvPr>
@@ -4958,7 +5106,6 @@
           <a:bodyPr/>
           <a:lstStyle/>
           <a:p>
-            <a:pPr/>
             <a:r>
               <a:t>weather alarm</a:t>
             </a:r>
@@ -4968,7 +5115,9 @@
       <p:sp>
         <p:nvSpPr>
           <p:cNvPr id="170" name="Shape 170"/>
-          <p:cNvSpPr/>
+          <p:cNvSpPr>
+            <a:spLocks noGrp="1"/>
+          </p:cNvSpPr>
           <p:nvPr>
             <p:ph type="title"/>
           </p:nvPr>
@@ -4989,7 +5138,6 @@
             </a:lvl1pPr>
           </a:lstStyle>
           <a:p>
-            <a:pPr/>
             <a:r>
               <a:t>sections</a:t>
             </a:r>
@@ -4999,7 +5147,9 @@
       <p:sp>
         <p:nvSpPr>
           <p:cNvPr id="171" name="Shape 171"/>
-          <p:cNvSpPr/>
+          <p:cNvSpPr>
+            <a:spLocks noGrp="1"/>
+          </p:cNvSpPr>
           <p:nvPr>
             <p:ph type="body" idx="1"/>
           </p:nvPr>
@@ -5096,12 +5246,12 @@
   <p:clrMapOvr>
     <a:masterClrMapping/>
   </p:clrMapOvr>
-  <p:transition xmlns:p14="http://schemas.microsoft.com/office/powerpoint/2010/main" spd="med" advClick="1" p14:dur="1000"/>
+  <p:transition xmlns:p14="http://schemas.microsoft.com/office/powerpoint/2010/main" spd="slow"/>
 </p:sld>
 </file>
 
 <file path=ppt/slides/slide3.xml><?xml version="1.0" encoding="utf-8"?>
-<p:sld xmlns:a="http://schemas.openxmlformats.org/drawingml/2006/main" xmlns:r="http://schemas.openxmlformats.org/officeDocument/2006/relationships" xmlns:p="http://schemas.openxmlformats.org/presentationml/2006/main" showMasterSp="1" showMasterPhAnim="1">
+<p:sld xmlns:a="http://schemas.openxmlformats.org/drawingml/2006/main" xmlns:r="http://schemas.openxmlformats.org/officeDocument/2006/relationships" xmlns:p="http://schemas.openxmlformats.org/presentationml/2006/main">
   <p:cSld>
     <p:spTree>
       <p:nvGrpSpPr>
@@ -5120,7 +5270,9 @@
       <p:sp>
         <p:nvSpPr>
           <p:cNvPr id="173" name="Shape 173"/>
-          <p:cNvSpPr/>
+          <p:cNvSpPr>
+            <a:spLocks noGrp="1"/>
+          </p:cNvSpPr>
           <p:nvPr>
             <p:ph type="body" idx="13"/>
           </p:nvPr>
@@ -5134,7 +5286,6 @@
           <a:bodyPr/>
           <a:lstStyle/>
           <a:p>
-            <a:pPr/>
             <a:r>
               <a:t>weatheralarm</a:t>
             </a:r>
@@ -5144,7 +5295,9 @@
       <p:sp>
         <p:nvSpPr>
           <p:cNvPr id="174" name="Shape 174"/>
-          <p:cNvSpPr/>
+          <p:cNvSpPr>
+            <a:spLocks noGrp="1"/>
+          </p:cNvSpPr>
           <p:nvPr>
             <p:ph type="title"/>
           </p:nvPr>
@@ -5165,7 +5318,6 @@
             </a:lvl1pPr>
           </a:lstStyle>
           <a:p>
-            <a:pPr/>
             <a:r>
               <a:t>Planning</a:t>
             </a:r>
@@ -5175,7 +5327,9 @@
       <p:sp>
         <p:nvSpPr>
           <p:cNvPr id="175" name="Shape 175"/>
-          <p:cNvSpPr/>
+          <p:cNvSpPr>
+            <a:spLocks noGrp="1"/>
+          </p:cNvSpPr>
           <p:nvPr>
             <p:ph type="body" idx="1"/>
           </p:nvPr>
@@ -5189,25 +5343,21 @@
           <a:bodyPr/>
           <a:lstStyle/>
           <a:p>
-            <a:pPr/>
             <a:r>
               <a:t>Entity Relationship Diagrams</a:t>
             </a:r>
           </a:p>
           <a:p>
-            <a:pPr/>
             <a:r>
               <a:t>Class Diagrams</a:t>
             </a:r>
           </a:p>
           <a:p>
-            <a:pPr/>
             <a:r>
               <a:t>Logic planning</a:t>
             </a:r>
           </a:p>
           <a:p>
-            <a:pPr/>
             <a:r>
               <a:t> Design ideas</a:t>
             </a:r>
@@ -5219,12 +5369,12 @@
   <p:clrMapOvr>
     <a:masterClrMapping/>
   </p:clrMapOvr>
-  <p:transition xmlns:p14="http://schemas.microsoft.com/office/powerpoint/2010/main" spd="med" advClick="1" p14:dur="1000"/>
+  <p:transition xmlns:p14="http://schemas.microsoft.com/office/powerpoint/2010/main" spd="slow"/>
 </p:sld>
 </file>
 
 <file path=ppt/slides/slide4.xml><?xml version="1.0" encoding="utf-8"?>
-<p:sld xmlns:a="http://schemas.openxmlformats.org/drawingml/2006/main" xmlns:r="http://schemas.openxmlformats.org/officeDocument/2006/relationships" xmlns:p="http://schemas.openxmlformats.org/presentationml/2006/main" showMasterSp="1" showMasterPhAnim="1">
+<p:sld xmlns:a="http://schemas.openxmlformats.org/drawingml/2006/main" xmlns:r="http://schemas.openxmlformats.org/officeDocument/2006/relationships" xmlns:p="http://schemas.openxmlformats.org/presentationml/2006/main">
   <p:cSld>
     <p:spTree>
       <p:nvGrpSpPr>
@@ -5243,7 +5393,9 @@
       <p:sp>
         <p:nvSpPr>
           <p:cNvPr id="177" name="Shape 177"/>
-          <p:cNvSpPr/>
+          <p:cNvSpPr>
+            <a:spLocks noGrp="1"/>
+          </p:cNvSpPr>
           <p:nvPr>
             <p:ph type="body" idx="13"/>
           </p:nvPr>
@@ -5257,7 +5409,6 @@
           <a:bodyPr/>
           <a:lstStyle/>
           <a:p>
-            <a:pPr/>
             <a:r>
               <a:t>weatheralarm</a:t>
             </a:r>
@@ -5267,7 +5418,9 @@
       <p:sp>
         <p:nvSpPr>
           <p:cNvPr id="178" name="Shape 178"/>
-          <p:cNvSpPr/>
+          <p:cNvSpPr>
+            <a:spLocks noGrp="1"/>
+          </p:cNvSpPr>
           <p:nvPr>
             <p:ph type="title"/>
           </p:nvPr>
@@ -5288,7 +5441,6 @@
             </a:lvl1pPr>
           </a:lstStyle>
           <a:p>
-            <a:pPr/>
             <a:r>
               <a:t>Phone edit view</a:t>
             </a:r>
@@ -5329,12 +5481,12 @@
   <p:clrMapOvr>
     <a:masterClrMapping/>
   </p:clrMapOvr>
-  <p:transition xmlns:p14="http://schemas.microsoft.com/office/powerpoint/2010/main" spd="med" advClick="1" p14:dur="1000"/>
+  <p:transition xmlns:p14="http://schemas.microsoft.com/office/powerpoint/2010/main" spd="slow"/>
 </p:sld>
 </file>
 
 <file path=ppt/slides/slide5.xml><?xml version="1.0" encoding="utf-8"?>
-<p:sld xmlns:a="http://schemas.openxmlformats.org/drawingml/2006/main" xmlns:r="http://schemas.openxmlformats.org/officeDocument/2006/relationships" xmlns:p="http://schemas.openxmlformats.org/presentationml/2006/main" showMasterSp="1" showMasterPhAnim="1">
+<p:sld xmlns:a="http://schemas.openxmlformats.org/drawingml/2006/main" xmlns:r="http://schemas.openxmlformats.org/officeDocument/2006/relationships" xmlns:p="http://schemas.openxmlformats.org/presentationml/2006/main">
   <p:cSld>
     <p:spTree>
       <p:nvGrpSpPr>
@@ -5353,7 +5505,9 @@
       <p:sp>
         <p:nvSpPr>
           <p:cNvPr id="181" name="Shape 181"/>
-          <p:cNvSpPr/>
+          <p:cNvSpPr>
+            <a:spLocks noGrp="1"/>
+          </p:cNvSpPr>
           <p:nvPr>
             <p:ph type="body" idx="13"/>
           </p:nvPr>
@@ -5367,7 +5521,6 @@
           <a:bodyPr/>
           <a:lstStyle/>
           <a:p>
-            <a:pPr/>
             <a:r>
               <a:t>weatheralarm</a:t>
             </a:r>
@@ -5377,7 +5530,9 @@
       <p:sp>
         <p:nvSpPr>
           <p:cNvPr id="182" name="Shape 182"/>
-          <p:cNvSpPr/>
+          <p:cNvSpPr>
+            <a:spLocks noGrp="1"/>
+          </p:cNvSpPr>
           <p:nvPr>
             <p:ph type="title"/>
           </p:nvPr>
@@ -5398,7 +5553,6 @@
             </a:lvl1pPr>
           </a:lstStyle>
           <a:p>
-            <a:pPr/>
             <a:r>
               <a:t>Phone list view</a:t>
             </a:r>
@@ -5439,12 +5593,12 @@
   <p:clrMapOvr>
     <a:masterClrMapping/>
   </p:clrMapOvr>
-  <p:transition xmlns:p14="http://schemas.microsoft.com/office/powerpoint/2010/main" spd="med" advClick="1" p14:dur="1000"/>
+  <p:transition xmlns:p14="http://schemas.microsoft.com/office/powerpoint/2010/main" spd="slow"/>
 </p:sld>
 </file>
 
 <file path=ppt/slides/slide6.xml><?xml version="1.0" encoding="utf-8"?>
-<p:sld xmlns:a="http://schemas.openxmlformats.org/drawingml/2006/main" xmlns:r="http://schemas.openxmlformats.org/officeDocument/2006/relationships" xmlns:p="http://schemas.openxmlformats.org/presentationml/2006/main" showMasterSp="1" showMasterPhAnim="1">
+<p:sld xmlns:a="http://schemas.openxmlformats.org/drawingml/2006/main" xmlns:r="http://schemas.openxmlformats.org/officeDocument/2006/relationships" xmlns:p="http://schemas.openxmlformats.org/presentationml/2006/main">
   <p:cSld>
     <p:spTree>
       <p:nvGrpSpPr>
@@ -5463,7 +5617,9 @@
       <p:sp>
         <p:nvSpPr>
           <p:cNvPr id="185" name="Shape 185"/>
-          <p:cNvSpPr/>
+          <p:cNvSpPr>
+            <a:spLocks noGrp="1"/>
+          </p:cNvSpPr>
           <p:nvPr>
             <p:ph type="body" idx="13"/>
           </p:nvPr>
@@ -5477,7 +5633,6 @@
           <a:bodyPr/>
           <a:lstStyle/>
           <a:p>
-            <a:pPr/>
             <a:r>
               <a:t>weatheralarm</a:t>
             </a:r>
@@ -5487,7 +5642,9 @@
       <p:sp>
         <p:nvSpPr>
           <p:cNvPr id="186" name="Shape 186"/>
-          <p:cNvSpPr/>
+          <p:cNvSpPr>
+            <a:spLocks noGrp="1"/>
+          </p:cNvSpPr>
           <p:nvPr>
             <p:ph type="title"/>
           </p:nvPr>
@@ -5508,7 +5665,6 @@
             </a:lvl1pPr>
           </a:lstStyle>
           <a:p>
-            <a:pPr/>
             <a:r>
               <a:t>tablet view</a:t>
             </a:r>
@@ -5549,12 +5705,12 @@
   <p:clrMapOvr>
     <a:masterClrMapping/>
   </p:clrMapOvr>
-  <p:transition xmlns:p14="http://schemas.microsoft.com/office/powerpoint/2010/main" spd="med" advClick="1" p14:dur="1000"/>
+  <p:transition xmlns:p14="http://schemas.microsoft.com/office/powerpoint/2010/main" spd="slow"/>
 </p:sld>
 </file>
 
 <file path=ppt/slides/slide7.xml><?xml version="1.0" encoding="utf-8"?>
-<p:sld xmlns:a="http://schemas.openxmlformats.org/drawingml/2006/main" xmlns:r="http://schemas.openxmlformats.org/officeDocument/2006/relationships" xmlns:p="http://schemas.openxmlformats.org/presentationml/2006/main" showMasterSp="1" showMasterPhAnim="1">
+<p:sld xmlns:a="http://schemas.openxmlformats.org/drawingml/2006/main" xmlns:r="http://schemas.openxmlformats.org/officeDocument/2006/relationships" xmlns:p="http://schemas.openxmlformats.org/presentationml/2006/main">
   <p:cSld>
     <p:spTree>
       <p:nvGrpSpPr>
@@ -5573,7 +5729,9 @@
       <p:sp>
         <p:nvSpPr>
           <p:cNvPr id="189" name="Shape 189"/>
-          <p:cNvSpPr/>
+          <p:cNvSpPr>
+            <a:spLocks noGrp="1"/>
+          </p:cNvSpPr>
           <p:nvPr>
             <p:ph type="body" idx="13"/>
           </p:nvPr>
@@ -5587,7 +5745,6 @@
           <a:bodyPr/>
           <a:lstStyle/>
           <a:p>
-            <a:pPr/>
             <a:r>
               <a:t>weatheralarm</a:t>
             </a:r>
@@ -5597,7 +5754,9 @@
       <p:sp>
         <p:nvSpPr>
           <p:cNvPr id="190" name="Shape 190"/>
-          <p:cNvSpPr/>
+          <p:cNvSpPr>
+            <a:spLocks noGrp="1"/>
+          </p:cNvSpPr>
           <p:nvPr>
             <p:ph type="title"/>
           </p:nvPr>
@@ -5618,7 +5777,6 @@
             </a:lvl1pPr>
           </a:lstStyle>
           <a:p>
-            <a:pPr/>
             <a:r>
               <a:t>development</a:t>
             </a:r>
@@ -5628,7 +5786,9 @@
       <p:sp>
         <p:nvSpPr>
           <p:cNvPr id="191" name="Shape 191"/>
-          <p:cNvSpPr/>
+          <p:cNvSpPr>
+            <a:spLocks noGrp="1"/>
+          </p:cNvSpPr>
           <p:nvPr>
             <p:ph type="body" idx="1"/>
           </p:nvPr>
@@ -5642,25 +5802,21 @@
           <a:bodyPr/>
           <a:lstStyle/>
           <a:p>
-            <a:pPr/>
             <a:r>
               <a:t>Scheduling</a:t>
             </a:r>
           </a:p>
           <a:p>
-            <a:pPr/>
             <a:r>
               <a:t>Creating classes</a:t>
             </a:r>
           </a:p>
           <a:p>
-            <a:pPr/>
             <a:r>
               <a:t>Debugging</a:t>
             </a:r>
           </a:p>
           <a:p>
-            <a:pPr/>
             <a:r>
               <a:t>Testing on different devices</a:t>
             </a:r>
@@ -5672,12 +5828,12 @@
   <p:clrMapOvr>
     <a:masterClrMapping/>
   </p:clrMapOvr>
-  <p:transition xmlns:p14="http://schemas.microsoft.com/office/powerpoint/2010/main" spd="med" advClick="1" p14:dur="1000"/>
+  <p:transition xmlns:p14="http://schemas.microsoft.com/office/powerpoint/2010/main" spd="slow"/>
 </p:sld>
 </file>
 
 <file path=ppt/slides/slide8.xml><?xml version="1.0" encoding="utf-8"?>
-<p:sld xmlns:a="http://schemas.openxmlformats.org/drawingml/2006/main" xmlns:r="http://schemas.openxmlformats.org/officeDocument/2006/relationships" xmlns:p="http://schemas.openxmlformats.org/presentationml/2006/main" showMasterSp="1" showMasterPhAnim="1">
+<p:sld xmlns:a="http://schemas.openxmlformats.org/drawingml/2006/main" xmlns:r="http://schemas.openxmlformats.org/officeDocument/2006/relationships" xmlns:p="http://schemas.openxmlformats.org/presentationml/2006/main">
   <p:cSld>
     <p:spTree>
       <p:nvGrpSpPr>
@@ -5696,7 +5852,9 @@
       <p:sp>
         <p:nvSpPr>
           <p:cNvPr id="193" name="Shape 193"/>
-          <p:cNvSpPr/>
+          <p:cNvSpPr>
+            <a:spLocks noGrp="1"/>
+          </p:cNvSpPr>
           <p:nvPr>
             <p:ph type="body" idx="13"/>
           </p:nvPr>
@@ -5710,7 +5868,6 @@
           <a:bodyPr/>
           <a:lstStyle/>
           <a:p>
-            <a:pPr/>
             <a:r>
               <a:t>weatheralarm</a:t>
             </a:r>
@@ -5720,7 +5877,9 @@
       <p:sp>
         <p:nvSpPr>
           <p:cNvPr id="194" name="Shape 194"/>
-          <p:cNvSpPr/>
+          <p:cNvSpPr>
+            <a:spLocks noGrp="1"/>
+          </p:cNvSpPr>
           <p:nvPr>
             <p:ph type="title"/>
           </p:nvPr>
@@ -5741,7 +5900,6 @@
             </a:lvl1pPr>
           </a:lstStyle>
           <a:p>
-            <a:pPr/>
             <a:r>
               <a:t>Struggles</a:t>
             </a:r>
@@ -5751,7 +5909,9 @@
       <p:sp>
         <p:nvSpPr>
           <p:cNvPr id="195" name="Shape 195"/>
-          <p:cNvSpPr/>
+          <p:cNvSpPr>
+            <a:spLocks noGrp="1"/>
+          </p:cNvSpPr>
           <p:nvPr>
             <p:ph type="body" idx="1"/>
           </p:nvPr>
@@ -5765,31 +5925,26 @@
           <a:bodyPr/>
           <a:lstStyle/>
           <a:p>
-            <a:pPr/>
             <a:r>
               <a:t>Keeping ahead of schedule</a:t>
             </a:r>
           </a:p>
           <a:p>
-            <a:pPr/>
             <a:r>
               <a:t>Unexpected variable types</a:t>
             </a:r>
           </a:p>
           <a:p>
-            <a:pPr/>
             <a:r>
               <a:t>Changing the database</a:t>
             </a:r>
           </a:p>
           <a:p>
-            <a:pPr/>
             <a:r>
               <a:t>Complicated logic</a:t>
             </a:r>
           </a:p>
           <a:p>
-            <a:pPr/>
             <a:r>
               <a:t>Concepts needed ahead of syllabus</a:t>
             </a:r>
@@ -5801,12 +5956,12 @@
   <p:clrMapOvr>
     <a:masterClrMapping/>
   </p:clrMapOvr>
-  <p:transition xmlns:p14="http://schemas.microsoft.com/office/powerpoint/2010/main" spd="med" advClick="1" p14:dur="1000"/>
+  <p:transition xmlns:p14="http://schemas.microsoft.com/office/powerpoint/2010/main" spd="slow"/>
 </p:sld>
 </file>
 
 <file path=ppt/slides/slide9.xml><?xml version="1.0" encoding="utf-8"?>
-<p:sld xmlns:a="http://schemas.openxmlformats.org/drawingml/2006/main" xmlns:r="http://schemas.openxmlformats.org/officeDocument/2006/relationships" xmlns:p="http://schemas.openxmlformats.org/presentationml/2006/main" showMasterSp="1" showMasterPhAnim="1">
+<p:sld xmlns:a="http://schemas.openxmlformats.org/drawingml/2006/main" xmlns:r="http://schemas.openxmlformats.org/officeDocument/2006/relationships" xmlns:p="http://schemas.openxmlformats.org/presentationml/2006/main">
   <p:cSld>
     <p:spTree>
       <p:nvGrpSpPr>
@@ -5825,7 +5980,9 @@
       <p:sp>
         <p:nvSpPr>
           <p:cNvPr id="197" name="Shape 197"/>
-          <p:cNvSpPr/>
+          <p:cNvSpPr>
+            <a:spLocks noGrp="1"/>
+          </p:cNvSpPr>
           <p:nvPr>
             <p:ph type="body" idx="13"/>
           </p:nvPr>
@@ -5839,7 +5996,6 @@
           <a:bodyPr/>
           <a:lstStyle/>
           <a:p>
-            <a:pPr/>
             <a:r>
               <a:t>weatheralarm</a:t>
             </a:r>
@@ -5849,7 +6005,9 @@
       <p:sp>
         <p:nvSpPr>
           <p:cNvPr id="198" name="Shape 198"/>
-          <p:cNvSpPr/>
+          <p:cNvSpPr>
+            <a:spLocks noGrp="1"/>
+          </p:cNvSpPr>
           <p:nvPr>
             <p:ph type="title"/>
           </p:nvPr>
@@ -5870,7 +6028,6 @@
             </a:lvl1pPr>
           </a:lstStyle>
           <a:p>
-            <a:pPr/>
             <a:r>
               <a:t>Release</a:t>
             </a:r>
@@ -5880,7 +6037,9 @@
       <p:sp>
         <p:nvSpPr>
           <p:cNvPr id="199" name="Shape 199"/>
-          <p:cNvSpPr/>
+          <p:cNvSpPr>
+            <a:spLocks noGrp="1"/>
+          </p:cNvSpPr>
           <p:nvPr>
             <p:ph type="body" idx="1"/>
           </p:nvPr>
@@ -5894,32 +6053,47 @@
           <a:bodyPr/>
           <a:lstStyle/>
           <a:p>
-            <a:pPr/>
-            <a:r>
-              <a:t>Setting up Google Developer Console</a:t>
-            </a:r>
+            <a:r>
+              <a:rPr dirty="0"/>
+              <a:t>Setting up Google Developer </a:t>
+            </a:r>
+            <a:r>
+              <a:rPr dirty="0" smtClean="0"/>
+              <a:t>Console</a:t>
+            </a:r>
+            <a:endParaRPr lang="en-US" dirty="0" smtClean="0"/>
           </a:p>
           <a:p>
             <a:pPr lvl="1"/>
             <a:r>
+              <a:rPr lang="en-US" smtClean="0"/>
+              <a:t>Targeted Audience</a:t>
+            </a:r>
+            <a:endParaRPr dirty="0"/>
+          </a:p>
+          <a:p>
+            <a:pPr lvl="1"/>
+            <a:r>
+              <a:rPr dirty="0"/>
               <a:t>Images</a:t>
             </a:r>
           </a:p>
           <a:p>
             <a:pPr lvl="1"/>
             <a:r>
+              <a:rPr dirty="0"/>
               <a:t>Signing my app</a:t>
             </a:r>
           </a:p>
           <a:p>
-            <a:pPr/>
-            <a:r>
+            <a:r>
+              <a:rPr dirty="0"/>
               <a:t>1 hour turnaround on release</a:t>
             </a:r>
           </a:p>
           <a:p>
-            <a:pPr/>
-            <a:r>
+            <a:r>
+              <a:rPr dirty="0"/>
               <a:t>Deciding if app will be free or paid</a:t>
             </a:r>
           </a:p>
@@ -5930,12 +6104,12 @@
   <p:clrMapOvr>
     <a:masterClrMapping/>
   </p:clrMapOvr>
-  <p:transition xmlns:p14="http://schemas.microsoft.com/office/powerpoint/2010/main" spd="med" advClick="1" p14:dur="1000"/>
+  <p:transition xmlns:p14="http://schemas.microsoft.com/office/powerpoint/2010/main" spd="slow"/>
 </p:sld>
 </file>
 
 <file path=ppt/theme/theme1.xml><?xml version="1.0" encoding="utf-8"?>
-<a:theme xmlns:a="http://schemas.openxmlformats.org/drawingml/2006/main" xmlns:r="http://schemas.openxmlformats.org/officeDocument/2006/relationships" name="New_Template7">
+<a:theme xmlns:a="http://schemas.openxmlformats.org/drawingml/2006/main" name="New_Template7">
   <a:themeElements>
     <a:clrScheme name="New_Template7">
       <a:dk1>
@@ -6134,7 +6308,7 @@
         <a:effectLst/>
         <a:sp3d/>
       </a:spPr>
-      <a:bodyPr rot="0" spcFirstLastPara="1" vertOverflow="overflow" horzOverflow="overflow" vert="horz" wrap="square" lIns="50800" tIns="50800" rIns="50800" bIns="50800" numCol="1" spcCol="38100" rtlCol="0" anchor="ctr" upright="0">
+      <a:bodyPr rot="0" spcFirstLastPara="1" vertOverflow="overflow" horzOverflow="overflow" vert="horz" wrap="square" lIns="50800" tIns="50800" rIns="50800" bIns="50800" numCol="1" spcCol="38100" rtlCol="0" anchor="ctr">
         <a:spAutoFit/>
       </a:bodyPr>
       <a:lstStyle>
@@ -6153,7 +6327,7 @@
           <a:buFontTx/>
           <a:buNone/>
           <a:tabLst/>
-          <a:defRPr b="0" baseline="0" cap="all" i="0" spc="0" strike="noStrike" sz="2800" u="none" kumimoji="0" normalizeH="0">
+          <a:defRPr kumimoji="0" sz="2800" b="0" i="0" u="none" strike="noStrike" cap="all" spc="0" normalizeH="0" baseline="0">
             <a:ln>
               <a:noFill/>
             </a:ln>
@@ -6183,7 +6357,7 @@
           <a:buFontTx/>
           <a:buNone/>
           <a:tabLst/>
-          <a:defRPr b="0" baseline="0" cap="none" i="0" spc="0" strike="noStrike" sz="1800" u="none" kumimoji="0" normalizeH="0">
+          <a:defRPr kumimoji="0" sz="1800" b="0" i="0" u="none" strike="noStrike" cap="none" spc="0" normalizeH="0" baseline="0">
             <a:ln>
               <a:noFill/>
             </a:ln>
@@ -6209,7 +6383,7 @@
           <a:buFontTx/>
           <a:buNone/>
           <a:tabLst/>
-          <a:defRPr b="0" baseline="0" cap="none" i="0" spc="0" strike="noStrike" sz="1800" u="none" kumimoji="0" normalizeH="0">
+          <a:defRPr kumimoji="0" sz="1800" b="0" i="0" u="none" strike="noStrike" cap="none" spc="0" normalizeH="0" baseline="0">
             <a:ln>
               <a:noFill/>
             </a:ln>
@@ -6235,7 +6409,7 @@
           <a:buFontTx/>
           <a:buNone/>
           <a:tabLst/>
-          <a:defRPr b="0" baseline="0" cap="none" i="0" spc="0" strike="noStrike" sz="1800" u="none" kumimoji="0" normalizeH="0">
+          <a:defRPr kumimoji="0" sz="1800" b="0" i="0" u="none" strike="noStrike" cap="none" spc="0" normalizeH="0" baseline="0">
             <a:ln>
               <a:noFill/>
             </a:ln>
@@ -6261,7 +6435,7 @@
           <a:buFontTx/>
           <a:buNone/>
           <a:tabLst/>
-          <a:defRPr b="0" baseline="0" cap="none" i="0" spc="0" strike="noStrike" sz="1800" u="none" kumimoji="0" normalizeH="0">
+          <a:defRPr kumimoji="0" sz="1800" b="0" i="0" u="none" strike="noStrike" cap="none" spc="0" normalizeH="0" baseline="0">
             <a:ln>
               <a:noFill/>
             </a:ln>
@@ -6287,7 +6461,7 @@
           <a:buFontTx/>
           <a:buNone/>
           <a:tabLst/>
-          <a:defRPr b="0" baseline="0" cap="none" i="0" spc="0" strike="noStrike" sz="1800" u="none" kumimoji="0" normalizeH="0">
+          <a:defRPr kumimoji="0" sz="1800" b="0" i="0" u="none" strike="noStrike" cap="none" spc="0" normalizeH="0" baseline="0">
             <a:ln>
               <a:noFill/>
             </a:ln>
@@ -6313,7 +6487,7 @@
           <a:buFontTx/>
           <a:buNone/>
           <a:tabLst/>
-          <a:defRPr b="0" baseline="0" cap="none" i="0" spc="0" strike="noStrike" sz="1800" u="none" kumimoji="0" normalizeH="0">
+          <a:defRPr kumimoji="0" sz="1800" b="0" i="0" u="none" strike="noStrike" cap="none" spc="0" normalizeH="0" baseline="0">
             <a:ln>
               <a:noFill/>
             </a:ln>
@@ -6339,7 +6513,7 @@
           <a:buFontTx/>
           <a:buNone/>
           <a:tabLst/>
-          <a:defRPr b="0" baseline="0" cap="none" i="0" spc="0" strike="noStrike" sz="1800" u="none" kumimoji="0" normalizeH="0">
+          <a:defRPr kumimoji="0" sz="1800" b="0" i="0" u="none" strike="noStrike" cap="none" spc="0" normalizeH="0" baseline="0">
             <a:ln>
               <a:noFill/>
             </a:ln>
@@ -6365,7 +6539,7 @@
           <a:buFontTx/>
           <a:buNone/>
           <a:tabLst/>
-          <a:defRPr b="0" baseline="0" cap="none" i="0" spc="0" strike="noStrike" sz="1800" u="none" kumimoji="0" normalizeH="0">
+          <a:defRPr kumimoji="0" sz="1800" b="0" i="0" u="none" strike="noStrike" cap="none" spc="0" normalizeH="0" baseline="0">
             <a:ln>
               <a:noFill/>
             </a:ln>
@@ -6391,7 +6565,7 @@
           <a:buFontTx/>
           <a:buNone/>
           <a:tabLst/>
-          <a:defRPr b="0" baseline="0" cap="none" i="0" spc="0" strike="noStrike" sz="1800" u="none" kumimoji="0" normalizeH="0">
+          <a:defRPr kumimoji="0" sz="1800" b="0" i="0" u="none" strike="noStrike" cap="none" spc="0" normalizeH="0" baseline="0">
             <a:ln>
               <a:noFill/>
             </a:ln>
@@ -6404,9 +6578,15 @@
         </a:lvl9pPr>
       </a:lstStyle>
       <a:style>
-        <a:lnRef idx="0"/>
-        <a:fillRef idx="0"/>
-        <a:effectRef idx="0"/>
+        <a:lnRef idx="0">
+          <a:scrgbClr r="0" g="0" b="0"/>
+        </a:lnRef>
+        <a:fillRef idx="0">
+          <a:scrgbClr r="0" g="0" b="0"/>
+        </a:fillRef>
+        <a:effectRef idx="0">
+          <a:scrgbClr r="0" g="0" b="0"/>
+        </a:effectRef>
         <a:fontRef idx="none"/>
       </a:style>
     </a:spDef>
@@ -6423,7 +6603,7 @@
         <a:effectLst/>
         <a:sp3d/>
       </a:spPr>
-      <a:bodyPr rot="0" spcFirstLastPara="1" vertOverflow="overflow" horzOverflow="overflow" vert="horz" wrap="square" lIns="91439" tIns="45719" rIns="91439" bIns="45719" numCol="1" spcCol="38100" rtlCol="0" anchor="t" upright="0">
+      <a:bodyPr rot="0" spcFirstLastPara="1" vertOverflow="overflow" horzOverflow="overflow" vert="horz" wrap="square" lIns="91439" tIns="45719" rIns="91439" bIns="45719" numCol="1" spcCol="38100" rtlCol="0" anchor="t">
         <a:noAutofit/>
       </a:bodyPr>
       <a:lstStyle>
@@ -6442,7 +6622,7 @@
           <a:buFontTx/>
           <a:buNone/>
           <a:tabLst/>
-          <a:defRPr b="0" baseline="0" cap="none" i="0" spc="0" strike="noStrike" sz="1800" u="none" kumimoji="0" normalizeH="0">
+          <a:defRPr kumimoji="0" sz="1800" b="0" i="0" u="none" strike="noStrike" cap="none" spc="0" normalizeH="0" baseline="0">
             <a:ln>
               <a:noFill/>
             </a:ln>
@@ -6468,7 +6648,7 @@
           <a:buFontTx/>
           <a:buNone/>
           <a:tabLst/>
-          <a:defRPr b="0" baseline="0" cap="none" i="0" spc="0" strike="noStrike" sz="1800" u="none" kumimoji="0" normalizeH="0">
+          <a:defRPr kumimoji="0" sz="1800" b="0" i="0" u="none" strike="noStrike" cap="none" spc="0" normalizeH="0" baseline="0">
             <a:ln>
               <a:noFill/>
             </a:ln>
@@ -6494,7 +6674,7 @@
           <a:buFontTx/>
           <a:buNone/>
           <a:tabLst/>
-          <a:defRPr b="0" baseline="0" cap="none" i="0" spc="0" strike="noStrike" sz="1800" u="none" kumimoji="0" normalizeH="0">
+          <a:defRPr kumimoji="0" sz="1800" b="0" i="0" u="none" strike="noStrike" cap="none" spc="0" normalizeH="0" baseline="0">
             <a:ln>
               <a:noFill/>
             </a:ln>
@@ -6520,7 +6700,7 @@
           <a:buFontTx/>
           <a:buNone/>
           <a:tabLst/>
-          <a:defRPr b="0" baseline="0" cap="none" i="0" spc="0" strike="noStrike" sz="1800" u="none" kumimoji="0" normalizeH="0">
+          <a:defRPr kumimoji="0" sz="1800" b="0" i="0" u="none" strike="noStrike" cap="none" spc="0" normalizeH="0" baseline="0">
             <a:ln>
               <a:noFill/>
             </a:ln>
@@ -6546,7 +6726,7 @@
           <a:buFontTx/>
           <a:buNone/>
           <a:tabLst/>
-          <a:defRPr b="0" baseline="0" cap="none" i="0" spc="0" strike="noStrike" sz="1800" u="none" kumimoji="0" normalizeH="0">
+          <a:defRPr kumimoji="0" sz="1800" b="0" i="0" u="none" strike="noStrike" cap="none" spc="0" normalizeH="0" baseline="0">
             <a:ln>
               <a:noFill/>
             </a:ln>
@@ -6572,7 +6752,7 @@
           <a:buFontTx/>
           <a:buNone/>
           <a:tabLst/>
-          <a:defRPr b="0" baseline="0" cap="none" i="0" spc="0" strike="noStrike" sz="1800" u="none" kumimoji="0" normalizeH="0">
+          <a:defRPr kumimoji="0" sz="1800" b="0" i="0" u="none" strike="noStrike" cap="none" spc="0" normalizeH="0" baseline="0">
             <a:ln>
               <a:noFill/>
             </a:ln>
@@ -6598,7 +6778,7 @@
           <a:buFontTx/>
           <a:buNone/>
           <a:tabLst/>
-          <a:defRPr b="0" baseline="0" cap="none" i="0" spc="0" strike="noStrike" sz="1800" u="none" kumimoji="0" normalizeH="0">
+          <a:defRPr kumimoji="0" sz="1800" b="0" i="0" u="none" strike="noStrike" cap="none" spc="0" normalizeH="0" baseline="0">
             <a:ln>
               <a:noFill/>
             </a:ln>
@@ -6624,7 +6804,7 @@
           <a:buFontTx/>
           <a:buNone/>
           <a:tabLst/>
-          <a:defRPr b="0" baseline="0" cap="none" i="0" spc="0" strike="noStrike" sz="1800" u="none" kumimoji="0" normalizeH="0">
+          <a:defRPr kumimoji="0" sz="1800" b="0" i="0" u="none" strike="noStrike" cap="none" spc="0" normalizeH="0" baseline="0">
             <a:ln>
               <a:noFill/>
             </a:ln>
@@ -6650,7 +6830,7 @@
           <a:buFontTx/>
           <a:buNone/>
           <a:tabLst/>
-          <a:defRPr b="0" baseline="0" cap="none" i="0" spc="0" strike="noStrike" sz="1800" u="none" kumimoji="0" normalizeH="0">
+          <a:defRPr kumimoji="0" sz="1800" b="0" i="0" u="none" strike="noStrike" cap="none" spc="0" normalizeH="0" baseline="0">
             <a:ln>
               <a:noFill/>
             </a:ln>
@@ -6676,7 +6856,7 @@
           <a:buFontTx/>
           <a:buNone/>
           <a:tabLst/>
-          <a:defRPr b="0" baseline="0" cap="none" i="0" spc="0" strike="noStrike" sz="1800" u="none" kumimoji="0" normalizeH="0">
+          <a:defRPr kumimoji="0" sz="1800" b="0" i="0" u="none" strike="noStrike" cap="none" spc="0" normalizeH="0" baseline="0">
             <a:ln>
               <a:noFill/>
             </a:ln>
@@ -6689,9 +6869,15 @@
         </a:lvl9pPr>
       </a:lstStyle>
       <a:style>
-        <a:lnRef idx="0"/>
-        <a:fillRef idx="0"/>
-        <a:effectRef idx="0"/>
+        <a:lnRef idx="0">
+          <a:scrgbClr r="0" g="0" b="0"/>
+        </a:lnRef>
+        <a:fillRef idx="0">
+          <a:scrgbClr r="0" g="0" b="0"/>
+        </a:fillRef>
+        <a:effectRef idx="0">
+          <a:scrgbClr r="0" g="0" b="0"/>
+        </a:effectRef>
         <a:fontRef idx="none"/>
       </a:style>
     </a:lnDef>
@@ -6705,7 +6891,7 @@
         <a:effectLst/>
         <a:sp3d/>
       </a:spPr>
-      <a:bodyPr rot="0" spcFirstLastPara="1" vertOverflow="overflow" horzOverflow="overflow" vert="horz" wrap="square" lIns="50800" tIns="50800" rIns="50800" bIns="50800" numCol="1" spcCol="38100" rtlCol="0" anchor="ctr" upright="0">
+      <a:bodyPr rot="0" spcFirstLastPara="1" vertOverflow="overflow" horzOverflow="overflow" vert="horz" wrap="square" lIns="50800" tIns="50800" rIns="50800" bIns="50800" numCol="1" spcCol="38100" rtlCol="0" anchor="ctr">
         <a:spAutoFit/>
       </a:bodyPr>
       <a:lstStyle>
@@ -6724,7 +6910,7 @@
           <a:buFontTx/>
           <a:buNone/>
           <a:tabLst/>
-          <a:defRPr b="0" baseline="0" cap="none" i="0" spc="0" strike="noStrike" sz="2000" u="none" kumimoji="0" normalizeH="0">
+          <a:defRPr kumimoji="0" sz="2000" b="0" i="0" u="none" strike="noStrike" cap="none" spc="0" normalizeH="0" baseline="0">
             <a:ln>
               <a:noFill/>
             </a:ln>
@@ -6754,7 +6940,7 @@
           <a:buFontTx/>
           <a:buNone/>
           <a:tabLst/>
-          <a:defRPr b="0" baseline="0" cap="none" i="0" spc="0" strike="noStrike" sz="1800" u="none" kumimoji="0" normalizeH="0">
+          <a:defRPr kumimoji="0" sz="1800" b="0" i="0" u="none" strike="noStrike" cap="none" spc="0" normalizeH="0" baseline="0">
             <a:ln>
               <a:noFill/>
             </a:ln>
@@ -6780,7 +6966,7 @@
           <a:buFontTx/>
           <a:buNone/>
           <a:tabLst/>
-          <a:defRPr b="0" baseline="0" cap="none" i="0" spc="0" strike="noStrike" sz="1800" u="none" kumimoji="0" normalizeH="0">
+          <a:defRPr kumimoji="0" sz="1800" b="0" i="0" u="none" strike="noStrike" cap="none" spc="0" normalizeH="0" baseline="0">
             <a:ln>
               <a:noFill/>
             </a:ln>
@@ -6806,7 +6992,7 @@
           <a:buFontTx/>
           <a:buNone/>
           <a:tabLst/>
-          <a:defRPr b="0" baseline="0" cap="none" i="0" spc="0" strike="noStrike" sz="1800" u="none" kumimoji="0" normalizeH="0">
+          <a:defRPr kumimoji="0" sz="1800" b="0" i="0" u="none" strike="noStrike" cap="none" spc="0" normalizeH="0" baseline="0">
             <a:ln>
               <a:noFill/>
             </a:ln>
@@ -6832,7 +7018,7 @@
           <a:buFontTx/>
           <a:buNone/>
           <a:tabLst/>
-          <a:defRPr b="0" baseline="0" cap="none" i="0" spc="0" strike="noStrike" sz="1800" u="none" kumimoji="0" normalizeH="0">
+          <a:defRPr kumimoji="0" sz="1800" b="0" i="0" u="none" strike="noStrike" cap="none" spc="0" normalizeH="0" baseline="0">
             <a:ln>
               <a:noFill/>
             </a:ln>
@@ -6858,7 +7044,7 @@
           <a:buFontTx/>
           <a:buNone/>
           <a:tabLst/>
-          <a:defRPr b="0" baseline="0" cap="none" i="0" spc="0" strike="noStrike" sz="1800" u="none" kumimoji="0" normalizeH="0">
+          <a:defRPr kumimoji="0" sz="1800" b="0" i="0" u="none" strike="noStrike" cap="none" spc="0" normalizeH="0" baseline="0">
             <a:ln>
               <a:noFill/>
             </a:ln>
@@ -6884,7 +7070,7 @@
           <a:buFontTx/>
           <a:buNone/>
           <a:tabLst/>
-          <a:defRPr b="0" baseline="0" cap="none" i="0" spc="0" strike="noStrike" sz="1800" u="none" kumimoji="0" normalizeH="0">
+          <a:defRPr kumimoji="0" sz="1800" b="0" i="0" u="none" strike="noStrike" cap="none" spc="0" normalizeH="0" baseline="0">
             <a:ln>
               <a:noFill/>
             </a:ln>
@@ -6910,7 +7096,7 @@
           <a:buFontTx/>
           <a:buNone/>
           <a:tabLst/>
-          <a:defRPr b="0" baseline="0" cap="none" i="0" spc="0" strike="noStrike" sz="1800" u="none" kumimoji="0" normalizeH="0">
+          <a:defRPr kumimoji="0" sz="1800" b="0" i="0" u="none" strike="noStrike" cap="none" spc="0" normalizeH="0" baseline="0">
             <a:ln>
               <a:noFill/>
             </a:ln>
@@ -6936,7 +7122,7 @@
           <a:buFontTx/>
           <a:buNone/>
           <a:tabLst/>
-          <a:defRPr b="0" baseline="0" cap="none" i="0" spc="0" strike="noStrike" sz="1800" u="none" kumimoji="0" normalizeH="0">
+          <a:defRPr kumimoji="0" sz="1800" b="0" i="0" u="none" strike="noStrike" cap="none" spc="0" normalizeH="0" baseline="0">
             <a:ln>
               <a:noFill/>
             </a:ln>
@@ -6962,7 +7148,7 @@
           <a:buFontTx/>
           <a:buNone/>
           <a:tabLst/>
-          <a:defRPr b="0" baseline="0" cap="none" i="0" spc="0" strike="noStrike" sz="1800" u="none" kumimoji="0" normalizeH="0">
+          <a:defRPr kumimoji="0" sz="1800" b="0" i="0" u="none" strike="noStrike" cap="none" spc="0" normalizeH="0" baseline="0">
             <a:ln>
               <a:noFill/>
             </a:ln>
@@ -6975,18 +7161,25 @@
         </a:lvl9pPr>
       </a:lstStyle>
       <a:style>
-        <a:lnRef idx="0"/>
-        <a:fillRef idx="0"/>
-        <a:effectRef idx="0"/>
+        <a:lnRef idx="0">
+          <a:scrgbClr r="0" g="0" b="0"/>
+        </a:lnRef>
+        <a:fillRef idx="0">
+          <a:scrgbClr r="0" g="0" b="0"/>
+        </a:fillRef>
+        <a:effectRef idx="0">
+          <a:scrgbClr r="0" g="0" b="0"/>
+        </a:effectRef>
         <a:fontRef idx="none"/>
       </a:style>
     </a:txDef>
   </a:objectDefaults>
+  <a:extraClrSchemeLst/>
 </a:theme>
 </file>
 
 <file path=ppt/theme/theme2.xml><?xml version="1.0" encoding="utf-8"?>
-<a:theme xmlns:a="http://schemas.openxmlformats.org/drawingml/2006/main" xmlns:r="http://schemas.openxmlformats.org/officeDocument/2006/relationships" name="New_Template7">
+<a:theme xmlns:a="http://schemas.openxmlformats.org/drawingml/2006/main" name="New_Template7">
   <a:themeElements>
     <a:clrScheme name="New_Template7">
       <a:dk1>
@@ -7185,7 +7378,7 @@
         <a:effectLst/>
         <a:sp3d/>
       </a:spPr>
-      <a:bodyPr rot="0" spcFirstLastPara="1" vertOverflow="overflow" horzOverflow="overflow" vert="horz" wrap="square" lIns="50800" tIns="50800" rIns="50800" bIns="50800" numCol="1" spcCol="38100" rtlCol="0" anchor="ctr" upright="0">
+      <a:bodyPr rot="0" spcFirstLastPara="1" vertOverflow="overflow" horzOverflow="overflow" vert="horz" wrap="square" lIns="50800" tIns="50800" rIns="50800" bIns="50800" numCol="1" spcCol="38100" rtlCol="0" anchor="ctr">
         <a:spAutoFit/>
       </a:bodyPr>
       <a:lstStyle>
@@ -7204,7 +7397,7 @@
           <a:buFontTx/>
           <a:buNone/>
           <a:tabLst/>
-          <a:defRPr b="0" baseline="0" cap="all" i="0" spc="0" strike="noStrike" sz="2800" u="none" kumimoji="0" normalizeH="0">
+          <a:defRPr kumimoji="0" sz="2800" b="0" i="0" u="none" strike="noStrike" cap="all" spc="0" normalizeH="0" baseline="0">
             <a:ln>
               <a:noFill/>
             </a:ln>
@@ -7234,7 +7427,7 @@
           <a:buFontTx/>
           <a:buNone/>
           <a:tabLst/>
-          <a:defRPr b="0" baseline="0" cap="none" i="0" spc="0" strike="noStrike" sz="1800" u="none" kumimoji="0" normalizeH="0">
+          <a:defRPr kumimoji="0" sz="1800" b="0" i="0" u="none" strike="noStrike" cap="none" spc="0" normalizeH="0" baseline="0">
             <a:ln>
               <a:noFill/>
             </a:ln>
@@ -7260,7 +7453,7 @@
           <a:buFontTx/>
           <a:buNone/>
           <a:tabLst/>
-          <a:defRPr b="0" baseline="0" cap="none" i="0" spc="0" strike="noStrike" sz="1800" u="none" kumimoji="0" normalizeH="0">
+          <a:defRPr kumimoji="0" sz="1800" b="0" i="0" u="none" strike="noStrike" cap="none" spc="0" normalizeH="0" baseline="0">
             <a:ln>
               <a:noFill/>
             </a:ln>
@@ -7286,7 +7479,7 @@
           <a:buFontTx/>
           <a:buNone/>
           <a:tabLst/>
-          <a:defRPr b="0" baseline="0" cap="none" i="0" spc="0" strike="noStrike" sz="1800" u="none" kumimoji="0" normalizeH="0">
+          <a:defRPr kumimoji="0" sz="1800" b="0" i="0" u="none" strike="noStrike" cap="none" spc="0" normalizeH="0" baseline="0">
             <a:ln>
               <a:noFill/>
             </a:ln>
@@ -7312,7 +7505,7 @@
           <a:buFontTx/>
           <a:buNone/>
           <a:tabLst/>
-          <a:defRPr b="0" baseline="0" cap="none" i="0" spc="0" strike="noStrike" sz="1800" u="none" kumimoji="0" normalizeH="0">
+          <a:defRPr kumimoji="0" sz="1800" b="0" i="0" u="none" strike="noStrike" cap="none" spc="0" normalizeH="0" baseline="0">
             <a:ln>
               <a:noFill/>
             </a:ln>
@@ -7338,7 +7531,7 @@
           <a:buFontTx/>
           <a:buNone/>
           <a:tabLst/>
-          <a:defRPr b="0" baseline="0" cap="none" i="0" spc="0" strike="noStrike" sz="1800" u="none" kumimoji="0" normalizeH="0">
+          <a:defRPr kumimoji="0" sz="1800" b="0" i="0" u="none" strike="noStrike" cap="none" spc="0" normalizeH="0" baseline="0">
             <a:ln>
               <a:noFill/>
             </a:ln>
@@ -7364,7 +7557,7 @@
           <a:buFontTx/>
           <a:buNone/>
           <a:tabLst/>
-          <a:defRPr b="0" baseline="0" cap="none" i="0" spc="0" strike="noStrike" sz="1800" u="none" kumimoji="0" normalizeH="0">
+          <a:defRPr kumimoji="0" sz="1800" b="0" i="0" u="none" strike="noStrike" cap="none" spc="0" normalizeH="0" baseline="0">
             <a:ln>
               <a:noFill/>
             </a:ln>
@@ -7390,7 +7583,7 @@
           <a:buFontTx/>
           <a:buNone/>
           <a:tabLst/>
-          <a:defRPr b="0" baseline="0" cap="none" i="0" spc="0" strike="noStrike" sz="1800" u="none" kumimoji="0" normalizeH="0">
+          <a:defRPr kumimoji="0" sz="1800" b="0" i="0" u="none" strike="noStrike" cap="none" spc="0" normalizeH="0" baseline="0">
             <a:ln>
               <a:noFill/>
             </a:ln>
@@ -7416,7 +7609,7 @@
           <a:buFontTx/>
           <a:buNone/>
           <a:tabLst/>
-          <a:defRPr b="0" baseline="0" cap="none" i="0" spc="0" strike="noStrike" sz="1800" u="none" kumimoji="0" normalizeH="0">
+          <a:defRPr kumimoji="0" sz="1800" b="0" i="0" u="none" strike="noStrike" cap="none" spc="0" normalizeH="0" baseline="0">
             <a:ln>
               <a:noFill/>
             </a:ln>
@@ -7442,7 +7635,7 @@
           <a:buFontTx/>
           <a:buNone/>
           <a:tabLst/>
-          <a:defRPr b="0" baseline="0" cap="none" i="0" spc="0" strike="noStrike" sz="1800" u="none" kumimoji="0" normalizeH="0">
+          <a:defRPr kumimoji="0" sz="1800" b="0" i="0" u="none" strike="noStrike" cap="none" spc="0" normalizeH="0" baseline="0">
             <a:ln>
               <a:noFill/>
             </a:ln>
@@ -7455,9 +7648,15 @@
         </a:lvl9pPr>
       </a:lstStyle>
       <a:style>
-        <a:lnRef idx="0"/>
-        <a:fillRef idx="0"/>
-        <a:effectRef idx="0"/>
+        <a:lnRef idx="0">
+          <a:scrgbClr r="0" g="0" b="0"/>
+        </a:lnRef>
+        <a:fillRef idx="0">
+          <a:scrgbClr r="0" g="0" b="0"/>
+        </a:fillRef>
+        <a:effectRef idx="0">
+          <a:scrgbClr r="0" g="0" b="0"/>
+        </a:effectRef>
         <a:fontRef idx="none"/>
       </a:style>
     </a:spDef>
@@ -7474,7 +7673,7 @@
         <a:effectLst/>
         <a:sp3d/>
       </a:spPr>
-      <a:bodyPr rot="0" spcFirstLastPara="1" vertOverflow="overflow" horzOverflow="overflow" vert="horz" wrap="square" lIns="91439" tIns="45719" rIns="91439" bIns="45719" numCol="1" spcCol="38100" rtlCol="0" anchor="t" upright="0">
+      <a:bodyPr rot="0" spcFirstLastPara="1" vertOverflow="overflow" horzOverflow="overflow" vert="horz" wrap="square" lIns="91439" tIns="45719" rIns="91439" bIns="45719" numCol="1" spcCol="38100" rtlCol="0" anchor="t">
         <a:noAutofit/>
       </a:bodyPr>
       <a:lstStyle>
@@ -7493,7 +7692,7 @@
           <a:buFontTx/>
           <a:buNone/>
           <a:tabLst/>
-          <a:defRPr b="0" baseline="0" cap="none" i="0" spc="0" strike="noStrike" sz="1800" u="none" kumimoji="0" normalizeH="0">
+          <a:defRPr kumimoji="0" sz="1800" b="0" i="0" u="none" strike="noStrike" cap="none" spc="0" normalizeH="0" baseline="0">
             <a:ln>
               <a:noFill/>
             </a:ln>
@@ -7519,7 +7718,7 @@
           <a:buFontTx/>
           <a:buNone/>
           <a:tabLst/>
-          <a:defRPr b="0" baseline="0" cap="none" i="0" spc="0" strike="noStrike" sz="1800" u="none" kumimoji="0" normalizeH="0">
+          <a:defRPr kumimoji="0" sz="1800" b="0" i="0" u="none" strike="noStrike" cap="none" spc="0" normalizeH="0" baseline="0">
             <a:ln>
               <a:noFill/>
             </a:ln>
@@ -7545,7 +7744,7 @@
           <a:buFontTx/>
           <a:buNone/>
           <a:tabLst/>
-          <a:defRPr b="0" baseline="0" cap="none" i="0" spc="0" strike="noStrike" sz="1800" u="none" kumimoji="0" normalizeH="0">
+          <a:defRPr kumimoji="0" sz="1800" b="0" i="0" u="none" strike="noStrike" cap="none" spc="0" normalizeH="0" baseline="0">
             <a:ln>
               <a:noFill/>
             </a:ln>
@@ -7571,7 +7770,7 @@
           <a:buFontTx/>
           <a:buNone/>
           <a:tabLst/>
-          <a:defRPr b="0" baseline="0" cap="none" i="0" spc="0" strike="noStrike" sz="1800" u="none" kumimoji="0" normalizeH="0">
+          <a:defRPr kumimoji="0" sz="1800" b="0" i="0" u="none" strike="noStrike" cap="none" spc="0" normalizeH="0" baseline="0">
             <a:ln>
               <a:noFill/>
             </a:ln>
@@ -7597,7 +7796,7 @@
           <a:buFontTx/>
           <a:buNone/>
           <a:tabLst/>
-          <a:defRPr b="0" baseline="0" cap="none" i="0" spc="0" strike="noStrike" sz="1800" u="none" kumimoji="0" normalizeH="0">
+          <a:defRPr kumimoji="0" sz="1800" b="0" i="0" u="none" strike="noStrike" cap="none" spc="0" normalizeH="0" baseline="0">
             <a:ln>
               <a:noFill/>
             </a:ln>
@@ -7623,7 +7822,7 @@
           <a:buFontTx/>
           <a:buNone/>
           <a:tabLst/>
-          <a:defRPr b="0" baseline="0" cap="none" i="0" spc="0" strike="noStrike" sz="1800" u="none" kumimoji="0" normalizeH="0">
+          <a:defRPr kumimoji="0" sz="1800" b="0" i="0" u="none" strike="noStrike" cap="none" spc="0" normalizeH="0" baseline="0">
             <a:ln>
               <a:noFill/>
             </a:ln>
@@ -7649,7 +7848,7 @@
           <a:buFontTx/>
           <a:buNone/>
           <a:tabLst/>
-          <a:defRPr b="0" baseline="0" cap="none" i="0" spc="0" strike="noStrike" sz="1800" u="none" kumimoji="0" normalizeH="0">
+          <a:defRPr kumimoji="0" sz="1800" b="0" i="0" u="none" strike="noStrike" cap="none" spc="0" normalizeH="0" baseline="0">
             <a:ln>
               <a:noFill/>
             </a:ln>
@@ -7675,7 +7874,7 @@
           <a:buFontTx/>
           <a:buNone/>
           <a:tabLst/>
-          <a:defRPr b="0" baseline="0" cap="none" i="0" spc="0" strike="noStrike" sz="1800" u="none" kumimoji="0" normalizeH="0">
+          <a:defRPr kumimoji="0" sz="1800" b="0" i="0" u="none" strike="noStrike" cap="none" spc="0" normalizeH="0" baseline="0">
             <a:ln>
               <a:noFill/>
             </a:ln>
@@ -7701,7 +7900,7 @@
           <a:buFontTx/>
           <a:buNone/>
           <a:tabLst/>
-          <a:defRPr b="0" baseline="0" cap="none" i="0" spc="0" strike="noStrike" sz="1800" u="none" kumimoji="0" normalizeH="0">
+          <a:defRPr kumimoji="0" sz="1800" b="0" i="0" u="none" strike="noStrike" cap="none" spc="0" normalizeH="0" baseline="0">
             <a:ln>
               <a:noFill/>
             </a:ln>
@@ -7727,7 +7926,7 @@
           <a:buFontTx/>
           <a:buNone/>
           <a:tabLst/>
-          <a:defRPr b="0" baseline="0" cap="none" i="0" spc="0" strike="noStrike" sz="1800" u="none" kumimoji="0" normalizeH="0">
+          <a:defRPr kumimoji="0" sz="1800" b="0" i="0" u="none" strike="noStrike" cap="none" spc="0" normalizeH="0" baseline="0">
             <a:ln>
               <a:noFill/>
             </a:ln>
@@ -7740,9 +7939,15 @@
         </a:lvl9pPr>
       </a:lstStyle>
       <a:style>
-        <a:lnRef idx="0"/>
-        <a:fillRef idx="0"/>
-        <a:effectRef idx="0"/>
+        <a:lnRef idx="0">
+          <a:scrgbClr r="0" g="0" b="0"/>
+        </a:lnRef>
+        <a:fillRef idx="0">
+          <a:scrgbClr r="0" g="0" b="0"/>
+        </a:fillRef>
+        <a:effectRef idx="0">
+          <a:scrgbClr r="0" g="0" b="0"/>
+        </a:effectRef>
         <a:fontRef idx="none"/>
       </a:style>
     </a:lnDef>
@@ -7756,7 +7961,7 @@
         <a:effectLst/>
         <a:sp3d/>
       </a:spPr>
-      <a:bodyPr rot="0" spcFirstLastPara="1" vertOverflow="overflow" horzOverflow="overflow" vert="horz" wrap="square" lIns="50800" tIns="50800" rIns="50800" bIns="50800" numCol="1" spcCol="38100" rtlCol="0" anchor="ctr" upright="0">
+      <a:bodyPr rot="0" spcFirstLastPara="1" vertOverflow="overflow" horzOverflow="overflow" vert="horz" wrap="square" lIns="50800" tIns="50800" rIns="50800" bIns="50800" numCol="1" spcCol="38100" rtlCol="0" anchor="ctr">
         <a:spAutoFit/>
       </a:bodyPr>
       <a:lstStyle>
@@ -7775,7 +7980,7 @@
           <a:buFontTx/>
           <a:buNone/>
           <a:tabLst/>
-          <a:defRPr b="0" baseline="0" cap="none" i="0" spc="0" strike="noStrike" sz="2000" u="none" kumimoji="0" normalizeH="0">
+          <a:defRPr kumimoji="0" sz="2000" b="0" i="0" u="none" strike="noStrike" cap="none" spc="0" normalizeH="0" baseline="0">
             <a:ln>
               <a:noFill/>
             </a:ln>
@@ -7805,7 +8010,7 @@
           <a:buFontTx/>
           <a:buNone/>
           <a:tabLst/>
-          <a:defRPr b="0" baseline="0" cap="none" i="0" spc="0" strike="noStrike" sz="1800" u="none" kumimoji="0" normalizeH="0">
+          <a:defRPr kumimoji="0" sz="1800" b="0" i="0" u="none" strike="noStrike" cap="none" spc="0" normalizeH="0" baseline="0">
             <a:ln>
               <a:noFill/>
             </a:ln>
@@ -7831,7 +8036,7 @@
           <a:buFontTx/>
           <a:buNone/>
           <a:tabLst/>
-          <a:defRPr b="0" baseline="0" cap="none" i="0" spc="0" strike="noStrike" sz="1800" u="none" kumimoji="0" normalizeH="0">
+          <a:defRPr kumimoji="0" sz="1800" b="0" i="0" u="none" strike="noStrike" cap="none" spc="0" normalizeH="0" baseline="0">
             <a:ln>
               <a:noFill/>
             </a:ln>
@@ -7857,7 +8062,7 @@
           <a:buFontTx/>
           <a:buNone/>
           <a:tabLst/>
-          <a:defRPr b="0" baseline="0" cap="none" i="0" spc="0" strike="noStrike" sz="1800" u="none" kumimoji="0" normalizeH="0">
+          <a:defRPr kumimoji="0" sz="1800" b="0" i="0" u="none" strike="noStrike" cap="none" spc="0" normalizeH="0" baseline="0">
             <a:ln>
               <a:noFill/>
             </a:ln>
@@ -7883,7 +8088,7 @@
           <a:buFontTx/>
           <a:buNone/>
           <a:tabLst/>
-          <a:defRPr b="0" baseline="0" cap="none" i="0" spc="0" strike="noStrike" sz="1800" u="none" kumimoji="0" normalizeH="0">
+          <a:defRPr kumimoji="0" sz="1800" b="0" i="0" u="none" strike="noStrike" cap="none" spc="0" normalizeH="0" baseline="0">
             <a:ln>
               <a:noFill/>
             </a:ln>
@@ -7909,7 +8114,7 @@
           <a:buFontTx/>
           <a:buNone/>
           <a:tabLst/>
-          <a:defRPr b="0" baseline="0" cap="none" i="0" spc="0" strike="noStrike" sz="1800" u="none" kumimoji="0" normalizeH="0">
+          <a:defRPr kumimoji="0" sz="1800" b="0" i="0" u="none" strike="noStrike" cap="none" spc="0" normalizeH="0" baseline="0">
             <a:ln>
               <a:noFill/>
             </a:ln>
@@ -7935,7 +8140,7 @@
           <a:buFontTx/>
           <a:buNone/>
           <a:tabLst/>
-          <a:defRPr b="0" baseline="0" cap="none" i="0" spc="0" strike="noStrike" sz="1800" u="none" kumimoji="0" normalizeH="0">
+          <a:defRPr kumimoji="0" sz="1800" b="0" i="0" u="none" strike="noStrike" cap="none" spc="0" normalizeH="0" baseline="0">
             <a:ln>
               <a:noFill/>
             </a:ln>
@@ -7961,7 +8166,7 @@
           <a:buFontTx/>
           <a:buNone/>
           <a:tabLst/>
-          <a:defRPr b="0" baseline="0" cap="none" i="0" spc="0" strike="noStrike" sz="1800" u="none" kumimoji="0" normalizeH="0">
+          <a:defRPr kumimoji="0" sz="1800" b="0" i="0" u="none" strike="noStrike" cap="none" spc="0" normalizeH="0" baseline="0">
             <a:ln>
               <a:noFill/>
             </a:ln>
@@ -7987,7 +8192,7 @@
           <a:buFontTx/>
           <a:buNone/>
           <a:tabLst/>
-          <a:defRPr b="0" baseline="0" cap="none" i="0" spc="0" strike="noStrike" sz="1800" u="none" kumimoji="0" normalizeH="0">
+          <a:defRPr kumimoji="0" sz="1800" b="0" i="0" u="none" strike="noStrike" cap="none" spc="0" normalizeH="0" baseline="0">
             <a:ln>
               <a:noFill/>
             </a:ln>
@@ -8013,7 +8218,7 @@
           <a:buFontTx/>
           <a:buNone/>
           <a:tabLst/>
-          <a:defRPr b="0" baseline="0" cap="none" i="0" spc="0" strike="noStrike" sz="1800" u="none" kumimoji="0" normalizeH="0">
+          <a:defRPr kumimoji="0" sz="1800" b="0" i="0" u="none" strike="noStrike" cap="none" spc="0" normalizeH="0" baseline="0">
             <a:ln>
               <a:noFill/>
             </a:ln>
@@ -8026,12 +8231,19 @@
         </a:lvl9pPr>
       </a:lstStyle>
       <a:style>
-        <a:lnRef idx="0"/>
-        <a:fillRef idx="0"/>
-        <a:effectRef idx="0"/>
+        <a:lnRef idx="0">
+          <a:scrgbClr r="0" g="0" b="0"/>
+        </a:lnRef>
+        <a:fillRef idx="0">
+          <a:scrgbClr r="0" g="0" b="0"/>
+        </a:fillRef>
+        <a:effectRef idx="0">
+          <a:scrgbClr r="0" g="0" b="0"/>
+        </a:effectRef>
         <a:fontRef idx="none"/>
       </a:style>
     </a:txDef>
   </a:objectDefaults>
+  <a:extraClrSchemeLst/>
 </a:theme>
 </file>